--- a/slides/python_biopython_Blast.pptx
+++ b/slides/python_biopython_Blast.pptx
@@ -152,6 +152,20 @@
         </p14:section>
       </p14:sectionLst>
     </p:ext>
+    <p:ext uri="{EFAFB233-063F-42B5-8137-9DF3F51BA10A}">
+      <p15:sldGuideLst xmlns:p15="http://schemas.microsoft.com/office/powerpoint/2012/main">
+        <p15:guide id="1" orient="horz" pos="2160">
+          <p15:clr>
+            <a:srgbClr val="A4A3A4"/>
+          </p15:clr>
+        </p15:guide>
+        <p15:guide id="2" pos="2880">
+          <p15:clr>
+            <a:srgbClr val="A4A3A4"/>
+          </p15:clr>
+        </p15:guide>
+      </p15:sldGuideLst>
+    </p:ext>
   </p:extLst>
 </p:presentation>
 </file>
@@ -238,7 +252,7 @@
           <a:p>
             <a:fld id="{5EB47243-285B-2741-8C7D-C88258D9CCFA}" type="datetimeFigureOut">
               <a:rPr lang="fr-FR" smtClean="0"/>
-              <a:t>13/11/16</a:t>
+              <a:t>08/11/2018</a:t>
             </a:fld>
             <a:endParaRPr lang="fr-FR"/>
           </a:p>
@@ -304,7 +318,7 @@
           <a:p>
             <a:fld id="{C5CA9166-BC48-2C47-B9BF-6F57720E77B8}" type="slidenum">
               <a:rPr lang="fr-FR" smtClean="0"/>
-              <a:t>‹#›</a:t>
+              <a:t>‹N°›</a:t>
             </a:fld>
             <a:endParaRPr lang="fr-FR"/>
           </a:p>
@@ -404,7 +418,7 @@
           <a:p>
             <a:fld id="{7D088D39-B4EA-D24B-B9C3-6A64886EABE2}" type="datetimeFigureOut">
               <a:rPr lang="fr-FR" smtClean="0"/>
-              <a:t>13/11/16</a:t>
+              <a:t>08/11/2018</a:t>
             </a:fld>
             <a:endParaRPr lang="fr-FR"/>
           </a:p>
@@ -468,38 +482,37 @@
           <a:p>
             <a:pPr lvl="0"/>
             <a:r>
-              <a:rPr lang="fr-FR" smtClean="0"/>
+              <a:rPr lang="fr-FR"/>
               <a:t>Cliquez pour modifier les styles du texte du masque</a:t>
             </a:r>
           </a:p>
           <a:p>
             <a:pPr lvl="1"/>
             <a:r>
-              <a:rPr lang="fr-FR" smtClean="0"/>
+              <a:rPr lang="fr-FR"/>
               <a:t>Deuxième niveau</a:t>
             </a:r>
           </a:p>
           <a:p>
             <a:pPr lvl="2"/>
             <a:r>
-              <a:rPr lang="fr-FR" smtClean="0"/>
+              <a:rPr lang="fr-FR"/>
               <a:t>Troisième niveau</a:t>
             </a:r>
           </a:p>
           <a:p>
             <a:pPr lvl="3"/>
             <a:r>
-              <a:rPr lang="fr-FR" smtClean="0"/>
+              <a:rPr lang="fr-FR"/>
               <a:t>Quatrième niveau</a:t>
             </a:r>
           </a:p>
           <a:p>
             <a:pPr lvl="4"/>
             <a:r>
-              <a:rPr lang="fr-FR" smtClean="0"/>
+              <a:rPr lang="fr-FR"/>
               <a:t>Cinquième niveau</a:t>
             </a:r>
-            <a:endParaRPr lang="fr-FR"/>
           </a:p>
         </p:txBody>
       </p:sp>
@@ -563,7 +576,7 @@
           <a:p>
             <a:fld id="{1C0E2CBA-6097-B848-A7DA-4D7BD6EB303B}" type="slidenum">
               <a:rPr lang="fr-FR" smtClean="0"/>
-              <a:t>‹#›</a:t>
+              <a:t>‹N°›</a:t>
             </a:fld>
             <a:endParaRPr lang="fr-FR"/>
           </a:p>
@@ -718,26 +731,26 @@
           <a:lstStyle/>
           <a:p>
             <a:r>
-              <a:rPr lang="fr-FR" dirty="0" smtClean="0"/>
+              <a:rPr lang="fr-FR" dirty="0"/>
               <a:t>Cpte élève:</a:t>
             </a:r>
             <a:r>
-              <a:rPr lang="fr-FR" baseline="0" dirty="0" smtClean="0"/>
+              <a:rPr lang="fr-FR" baseline="0" dirty="0"/>
               <a:t> </a:t>
             </a:r>
             <a:r>
-              <a:rPr lang="fr-FR" baseline="0" dirty="0" err="1" smtClean="0"/>
+              <a:rPr lang="fr-FR" baseline="0" dirty="0" err="1"/>
               <a:t>padawan</a:t>
             </a:r>
-            <a:endParaRPr lang="fr-FR" dirty="0" smtClean="0"/>
-          </a:p>
-          <a:p>
-            <a:r>
-              <a:rPr lang="fr-FR" dirty="0" smtClean="0"/>
+            <a:endParaRPr lang="fr-FR" dirty="0"/>
+          </a:p>
+          <a:p>
+            <a:r>
+              <a:rPr lang="fr-FR" dirty="0"/>
               <a:t>Mot de passe:</a:t>
             </a:r>
             <a:r>
-              <a:rPr lang="fr-FR" baseline="0" dirty="0" smtClean="0"/>
+              <a:rPr lang="fr-FR" baseline="0" dirty="0"/>
               <a:t> trust</a:t>
             </a:r>
             <a:endParaRPr lang="fr-FR" dirty="0"/>
@@ -909,7 +922,7 @@
           <a:lstStyle/>
           <a:p>
             <a:r>
-              <a:rPr lang="mr-IN" sz="1200" kern="1200" dirty="0" smtClean="0">
+              <a:rPr lang="mr-IN" sz="1200" kern="1200" dirty="0">
                 <a:solidFill>
                   <a:schemeClr val="tx1"/>
                 </a:solidFill>
@@ -923,7 +936,7 @@
           </a:p>
           <a:p>
             <a:r>
-              <a:rPr lang="mr-IN" sz="1200" kern="1200" dirty="0" smtClean="0">
+              <a:rPr lang="mr-IN" sz="1200" kern="1200" dirty="0">
                 <a:solidFill>
                   <a:schemeClr val="tx1"/>
                 </a:solidFill>
@@ -937,7 +950,7 @@
           </a:p>
           <a:p>
             <a:r>
-              <a:rPr lang="mr-IN" sz="1200" kern="1200" dirty="0" smtClean="0">
+              <a:rPr lang="mr-IN" sz="1200" kern="1200" dirty="0">
                 <a:solidFill>
                   <a:schemeClr val="tx1"/>
                 </a:solidFill>
@@ -951,7 +964,7 @@
           </a:p>
           <a:p>
             <a:r>
-              <a:rPr lang="mr-IN" sz="1200" kern="1200" dirty="0" smtClean="0">
+              <a:rPr lang="mr-IN" sz="1200" kern="1200" dirty="0">
                 <a:solidFill>
                   <a:schemeClr val="tx1"/>
                 </a:solidFill>
@@ -1049,7 +1062,7 @@
           <a:lstStyle/>
           <a:p>
             <a:r>
-              <a:rPr lang="en-US" sz="1200" kern="1200" dirty="0" err="1" smtClean="0">
+              <a:rPr lang="en-US" sz="1200" kern="1200" dirty="0" err="1">
                 <a:solidFill>
                   <a:schemeClr val="tx1"/>
                 </a:solidFill>
@@ -1060,7 +1073,7 @@
               </a:rPr>
               <a:t>ike</a:t>
             </a:r>
-            <a:endParaRPr lang="en-US" sz="1200" kern="1200" dirty="0" smtClean="0">
+            <a:endParaRPr lang="en-US" sz="1200" kern="1200" dirty="0">
               <a:solidFill>
                 <a:schemeClr val="tx1"/>
               </a:solidFill>
@@ -1072,7 +1085,7 @@
           </a:p>
           <a:p>
             <a:r>
-              <a:rPr lang="en-US" sz="1200" kern="1200" dirty="0" err="1" smtClean="0">
+              <a:rPr lang="en-US" sz="1200" kern="1200" dirty="0" err="1">
                 <a:solidFill>
                   <a:schemeClr val="tx1"/>
                 </a:solidFill>
@@ -1083,7 +1096,7 @@
               </a:rPr>
               <a:t>Bio.SeqIO</a:t>
             </a:r>
-            <a:endParaRPr lang="en-US" sz="1200" kern="1200" dirty="0" smtClean="0">
+            <a:endParaRPr lang="en-US" sz="1200" kern="1200" dirty="0">
               <a:solidFill>
                 <a:schemeClr val="tx1"/>
               </a:solidFill>
@@ -1095,7 +1108,7 @@
           </a:p>
           <a:p>
             <a:r>
-              <a:rPr lang="en-US" sz="1200" kern="1200" dirty="0" smtClean="0">
+              <a:rPr lang="en-US" sz="1200" kern="1200" dirty="0">
                 <a:solidFill>
                   <a:schemeClr val="tx1"/>
                 </a:solidFill>
@@ -1109,7 +1122,7 @@
           </a:p>
           <a:p>
             <a:r>
-              <a:rPr lang="en-US" sz="1200" kern="1200" dirty="0" err="1" smtClean="0">
+              <a:rPr lang="en-US" sz="1200" kern="1200" dirty="0" err="1">
                 <a:solidFill>
                   <a:schemeClr val="tx1"/>
                 </a:solidFill>
@@ -1120,7 +1133,7 @@
               </a:rPr>
               <a:t>Bio.AlignIO</a:t>
             </a:r>
-            <a:endParaRPr lang="en-US" sz="1200" kern="1200" dirty="0" smtClean="0">
+            <a:endParaRPr lang="en-US" sz="1200" kern="1200" dirty="0">
               <a:solidFill>
                 <a:schemeClr val="tx1"/>
               </a:solidFill>
@@ -1132,7 +1145,7 @@
           </a:p>
           <a:p>
             <a:r>
-              <a:rPr lang="en-US" sz="1200" kern="1200" dirty="0" smtClean="0">
+              <a:rPr lang="en-US" sz="1200" kern="1200" dirty="0">
                 <a:solidFill>
                   <a:schemeClr val="tx1"/>
                 </a:solidFill>
@@ -1146,7 +1159,7 @@
           </a:p>
           <a:p>
             <a:r>
-              <a:rPr lang="en-US" sz="1200" kern="1200" dirty="0" smtClean="0">
+              <a:rPr lang="en-US" sz="1200" kern="1200" dirty="0">
                 <a:solidFill>
                   <a:schemeClr val="tx1"/>
                 </a:solidFill>
@@ -1160,7 +1173,7 @@
           </a:p>
           <a:p>
             <a:r>
-              <a:rPr lang="en-US" sz="1200" kern="1200" dirty="0" smtClean="0">
+              <a:rPr lang="en-US" sz="1200" kern="1200" dirty="0">
                 <a:solidFill>
                   <a:schemeClr val="tx1"/>
                 </a:solidFill>
@@ -1174,7 +1187,7 @@
           </a:p>
           <a:p>
             <a:r>
-              <a:rPr lang="en-US" sz="1200" kern="1200" dirty="0" smtClean="0">
+              <a:rPr lang="en-US" sz="1200" kern="1200" dirty="0">
                 <a:solidFill>
                   <a:schemeClr val="tx1"/>
                 </a:solidFill>
@@ -1272,7 +1285,7 @@
           <a:lstStyle/>
           <a:p>
             <a:r>
-              <a:rPr lang="en-US" dirty="0" smtClean="0"/>
+              <a:rPr lang="en-US" dirty="0"/>
               <a:t>specify the alphabet explicitly</a:t>
             </a:r>
             <a:endParaRPr lang="en-US" sz="1200" kern="1200" dirty="0">
@@ -1368,7 +1381,7 @@
           <a:lstStyle/>
           <a:p>
             <a:r>
-              <a:rPr lang="mr-IN" sz="1200" kern="1200" dirty="0" smtClean="0">
+              <a:rPr lang="mr-IN" sz="1200" kern="1200" dirty="0">
                 <a:solidFill>
                   <a:schemeClr val="tx1"/>
                 </a:solidFill>
@@ -1379,15 +1392,6 @@
               </a:rPr>
               <a:t>&gt;&gt;&gt; print(len(my_seq))</a:t>
             </a:r>
-            <a:endParaRPr lang="mr-IN" sz="1200" kern="1200" dirty="0">
-              <a:solidFill>
-                <a:schemeClr val="tx1"/>
-              </a:solidFill>
-              <a:effectLst/>
-              <a:latin typeface="+mn-lt"/>
-              <a:ea typeface="+mn-ea"/>
-              <a:cs typeface="+mn-cs"/>
-            </a:endParaRPr>
           </a:p>
         </p:txBody>
       </p:sp>
@@ -1489,7 +1493,7 @@
               <a:defRPr/>
             </a:pPr>
             <a:r>
-              <a:rPr kumimoji="0" lang="fr-FR" sz="1800" b="0" i="0" u="none" strike="noStrike" kern="0" cap="none" spc="0" normalizeH="0" baseline="0" noProof="0" dirty="0" smtClean="0">
+              <a:rPr kumimoji="0" lang="fr-FR" sz="1800" b="0" i="0" u="none" strike="noStrike" kern="0" cap="none" spc="0" normalizeH="0" baseline="0" noProof="0" dirty="0">
                 <a:ln>
                   <a:noFill/>
                 </a:ln>
@@ -1505,20 +1509,6 @@
               </a:rPr>
               <a:t> </a:t>
             </a:r>
-            <a:endParaRPr kumimoji="0" lang="fr-FR" sz="1800" b="0" i="0" u="none" strike="noStrike" kern="0" cap="none" spc="0" normalizeH="0" baseline="0" noProof="0" dirty="0">
-              <a:ln>
-                <a:noFill/>
-              </a:ln>
-              <a:solidFill>
-                <a:srgbClr val="000000"/>
-              </a:solidFill>
-              <a:effectLst/>
-              <a:uLnTx/>
-              <a:uFillTx/>
-              <a:latin typeface="Arial"/>
-              <a:ea typeface="+mn-ea"/>
-              <a:cs typeface="+mn-cs"/>
-            </a:endParaRPr>
           </a:p>
         </p:txBody>
       </p:sp>
@@ -1655,7 +1645,7 @@
               <a:defRPr/>
             </a:pPr>
             <a:r>
-              <a:rPr kumimoji="0" lang="fr-FR" sz="1800" b="0" i="0" u="none" strike="noStrike" kern="0" cap="none" spc="0" normalizeH="0" baseline="0" noProof="0" dirty="0" smtClean="0">
+              <a:rPr kumimoji="0" lang="fr-FR" sz="1800" b="0" i="0" u="none" strike="noStrike" kern="0" cap="none" spc="0" normalizeH="0" baseline="0" noProof="0" dirty="0">
                 <a:ln>
                   <a:noFill/>
                 </a:ln>
@@ -1668,17 +1658,6 @@
               </a:rPr>
               <a:t>Cliquez pour modifier le style des sous-titres du masque</a:t>
             </a:r>
-            <a:endParaRPr kumimoji="0" lang="fr-FR" sz="1800" b="0" i="0" u="none" strike="noStrike" kern="0" cap="none" spc="0" normalizeH="0" baseline="0" noProof="0" dirty="0">
-              <a:ln>
-                <a:noFill/>
-              </a:ln>
-              <a:solidFill>
-                <a:srgbClr val="FFFFFF"/>
-              </a:solidFill>
-              <a:effectLst/>
-              <a:uLnTx/>
-              <a:uFillTx/>
-            </a:endParaRPr>
           </a:p>
         </p:txBody>
       </p:sp>
@@ -1741,10 +1720,9 @@
           </a:lstStyle>
           <a:p>
             <a:r>
-              <a:rPr lang="fr-FR" dirty="0" smtClean="0"/>
+              <a:rPr lang="fr-FR" dirty="0"/>
               <a:t>Cliquez et modifiez le titre</a:t>
             </a:r>
-            <a:endParaRPr lang="fr-FR" dirty="0"/>
           </a:p>
         </p:txBody>
       </p:sp>
@@ -1758,13 +1736,6 @@
   <p:clrMapOvr>
     <a:masterClrMapping/>
   </p:clrMapOvr>
-  <p:timing>
-    <p:tnLst>
-      <p:par>
-        <p:cTn xmlns:p14="http://schemas.microsoft.com/office/powerpoint/2010/main" id="1" dur="indefinite" restart="never" nodeType="tmRoot"/>
-      </p:par>
-    </p:tnLst>
-  </p:timing>
 </p:sldLayout>
 </file>
 
@@ -1908,18 +1879,13 @@
           <a:p>
             <a:pPr algn="ctr"/>
             <a:r>
-              <a:rPr lang="fr-FR" dirty="0" smtClean="0">
+              <a:rPr lang="fr-FR" dirty="0">
                 <a:solidFill>
                   <a:schemeClr val="bg1"/>
                 </a:solidFill>
               </a:rPr>
               <a:t> </a:t>
             </a:r>
-            <a:endParaRPr lang="fr-FR" dirty="0">
-              <a:solidFill>
-                <a:schemeClr val="bg1"/>
-              </a:solidFill>
-            </a:endParaRPr>
           </a:p>
         </p:txBody>
       </p:sp>
@@ -1967,18 +1933,13 @@
           <a:p>
             <a:pPr algn="ctr"/>
             <a:r>
-              <a:rPr lang="fr-FR" dirty="0" smtClean="0">
+              <a:rPr lang="fr-FR" dirty="0">
                 <a:solidFill>
                   <a:schemeClr val="bg1"/>
                 </a:solidFill>
               </a:rPr>
               <a:t> </a:t>
             </a:r>
-            <a:endParaRPr lang="fr-FR" dirty="0">
-              <a:solidFill>
-                <a:schemeClr val="bg1"/>
-              </a:solidFill>
-            </a:endParaRPr>
           </a:p>
         </p:txBody>
       </p:sp>
@@ -1992,13 +1953,6 @@
   <p:clrMapOvr>
     <a:masterClrMapping/>
   </p:clrMapOvr>
-  <p:timing>
-    <p:tnLst>
-      <p:par>
-        <p:cTn xmlns:p14="http://schemas.microsoft.com/office/powerpoint/2010/main" id="1" dur="indefinite" restart="never" nodeType="tmRoot"/>
-      </p:par>
-    </p:tnLst>
-  </p:timing>
 </p:sldLayout>
 </file>
 
@@ -2098,10 +2052,9 @@
           </a:lstStyle>
           <a:p>
             <a:r>
-              <a:rPr lang="fr-FR" dirty="0" smtClean="0"/>
+              <a:rPr lang="fr-FR" dirty="0"/>
               <a:t>Cliquez et modifiez le titre</a:t>
             </a:r>
-            <a:endParaRPr lang="fr-FR" dirty="0"/>
           </a:p>
         </p:txBody>
       </p:sp>
@@ -2233,7 +2186,7 @@
               <a:defRPr/>
             </a:pPr>
             <a:r>
-              <a:rPr kumimoji="0" lang="fr-FR" sz="2000" b="0" i="0" u="none" strike="noStrike" kern="1200" cap="none" spc="0" normalizeH="0" baseline="0" noProof="0" dirty="0" smtClean="0">
+              <a:rPr kumimoji="0" lang="fr-FR" sz="2000" b="0" i="0" u="none" strike="noStrike" kern="1200" cap="none" spc="0" normalizeH="0" baseline="0" noProof="0" dirty="0">
                 <a:ln>
                   <a:noFill/>
                 </a:ln>
@@ -2271,7 +2224,7 @@
               <a:defRPr/>
             </a:pPr>
             <a:r>
-              <a:rPr kumimoji="0" lang="fr-FR" sz="1600" b="0" i="0" u="none" strike="noStrike" kern="1200" cap="none" spc="0" normalizeH="0" baseline="0" noProof="0" dirty="0" smtClean="0">
+              <a:rPr kumimoji="0" lang="fr-FR" sz="1600" b="0" i="0" u="none" strike="noStrike" kern="1200" cap="none" spc="0" normalizeH="0" baseline="0" noProof="0" dirty="0">
                 <a:ln>
                   <a:noFill/>
                 </a:ln>
@@ -2307,7 +2260,7 @@
               <a:defRPr/>
             </a:pPr>
             <a:r>
-              <a:rPr kumimoji="0" lang="fr-FR" sz="1600" b="0" i="0" u="none" strike="noStrike" kern="1200" cap="none" spc="0" normalizeH="0" baseline="0" noProof="0" dirty="0" smtClean="0">
+              <a:rPr kumimoji="0" lang="fr-FR" sz="1600" b="0" i="0" u="none" strike="noStrike" kern="1200" cap="none" spc="0" normalizeH="0" baseline="0" noProof="0" dirty="0">
                 <a:ln>
                   <a:noFill/>
                 </a:ln>
@@ -2343,7 +2296,7 @@
               <a:defRPr/>
             </a:pPr>
             <a:r>
-              <a:rPr kumimoji="0" lang="fr-FR" sz="1600" b="0" i="0" u="none" strike="noStrike" kern="1200" cap="none" spc="0" normalizeH="0" baseline="0" noProof="0" dirty="0" smtClean="0">
+              <a:rPr kumimoji="0" lang="fr-FR" sz="1600" b="0" i="0" u="none" strike="noStrike" kern="1200" cap="none" spc="0" normalizeH="0" baseline="0" noProof="0" dirty="0">
                 <a:ln>
                   <a:noFill/>
                 </a:ln>
@@ -2379,7 +2332,7 @@
               <a:defRPr/>
             </a:pPr>
             <a:r>
-              <a:rPr kumimoji="0" lang="fr-FR" sz="1600" b="0" i="0" u="none" strike="noStrike" kern="1200" cap="none" spc="0" normalizeH="0" baseline="0" noProof="0" dirty="0" smtClean="0">
+              <a:rPr kumimoji="0" lang="fr-FR" sz="1600" b="0" i="0" u="none" strike="noStrike" kern="1200" cap="none" spc="0" normalizeH="0" baseline="0" noProof="0" dirty="0">
                 <a:ln>
                   <a:noFill/>
                 </a:ln>
@@ -2395,20 +2348,6 @@
               </a:rPr>
               <a:t>Cinquième niveau</a:t>
             </a:r>
-            <a:endParaRPr kumimoji="0" lang="fr-FR" sz="1600" b="0" i="0" u="none" strike="noStrike" kern="1200" cap="none" spc="0" normalizeH="0" baseline="0" noProof="0" dirty="0">
-              <a:ln>
-                <a:noFill/>
-              </a:ln>
-              <a:solidFill>
-                <a:srgbClr val="000000"/>
-              </a:solidFill>
-              <a:effectLst/>
-              <a:uLnTx/>
-              <a:uFillTx/>
-              <a:latin typeface="+mn-lt"/>
-              <a:ea typeface="+mn-ea"/>
-              <a:cs typeface="+mn-cs"/>
-            </a:endParaRPr>
           </a:p>
         </p:txBody>
       </p:sp>
@@ -2445,7 +2384,7 @@
           <a:p>
             <a:fld id="{751463B9-2A29-154C-A5AC-383AEA094CA9}" type="datetime1">
               <a:rPr lang="fr-FR" smtClean="0"/>
-              <a:t>13/11/16</a:t>
+              <a:t>08/11/2018</a:t>
             </a:fld>
             <a:endParaRPr lang="fr-FR" dirty="0"/>
           </a:p>
@@ -2483,7 +2422,7 @@
           </a:lstStyle>
           <a:p>
             <a:r>
-              <a:rPr lang="fr-FR" smtClean="0"/>
+              <a:rPr lang="fr-FR"/>
               <a:t>Python pour la biologie</a:t>
             </a:r>
             <a:endParaRPr lang="fr-FR" dirty="0"/>
@@ -2524,7 +2463,7 @@
             <a:fld id="{DCE37727-CC04-7A46-938D-2CCFF056F773}" type="slidenum">
               <a:rPr lang="fr-FR" smtClean="0"/>
               <a:pPr/>
-              <a:t>‹#›</a:t>
+              <a:t>‹N°›</a:t>
             </a:fld>
             <a:endParaRPr lang="fr-FR" dirty="0"/>
           </a:p>
@@ -2596,13 +2535,6 @@
   <p:clrMapOvr>
     <a:masterClrMapping/>
   </p:clrMapOvr>
-  <p:timing>
-    <p:tnLst>
-      <p:par>
-        <p:cTn xmlns:p14="http://schemas.microsoft.com/office/powerpoint/2010/main" id="1" dur="indefinite" restart="never" nodeType="tmRoot"/>
-      </p:par>
-    </p:tnLst>
-  </p:timing>
 </p:sldLayout>
 </file>
 
@@ -2678,38 +2610,37 @@
           <a:p>
             <a:pPr lvl="0"/>
             <a:r>
-              <a:rPr lang="fr-FR" dirty="0" smtClean="0"/>
+              <a:rPr lang="fr-FR" dirty="0"/>
               <a:t>Cliquez pour modifier les styles du texte du masque</a:t>
             </a:r>
           </a:p>
           <a:p>
             <a:pPr lvl="1"/>
             <a:r>
-              <a:rPr lang="fr-FR" dirty="0" smtClean="0"/>
+              <a:rPr lang="fr-FR" dirty="0"/>
               <a:t>Deuxième niveau</a:t>
             </a:r>
           </a:p>
           <a:p>
             <a:pPr lvl="2"/>
             <a:r>
-              <a:rPr lang="fr-FR" dirty="0" smtClean="0"/>
+              <a:rPr lang="fr-FR" dirty="0"/>
               <a:t>Troisième niveau</a:t>
             </a:r>
           </a:p>
           <a:p>
             <a:pPr lvl="3"/>
             <a:r>
-              <a:rPr lang="fr-FR" dirty="0" smtClean="0"/>
+              <a:rPr lang="fr-FR" dirty="0"/>
               <a:t>Quatrième niveau</a:t>
             </a:r>
           </a:p>
           <a:p>
             <a:pPr lvl="4"/>
             <a:r>
-              <a:rPr lang="fr-FR" dirty="0" smtClean="0"/>
+              <a:rPr lang="fr-FR" dirty="0"/>
               <a:t>Cinquième niveau</a:t>
             </a:r>
-            <a:endParaRPr lang="fr-FR" dirty="0"/>
           </a:p>
         </p:txBody>
       </p:sp>
@@ -2768,38 +2699,37 @@
           <a:p>
             <a:pPr lvl="0"/>
             <a:r>
-              <a:rPr lang="fr-FR" dirty="0" smtClean="0"/>
+              <a:rPr lang="fr-FR" dirty="0"/>
               <a:t>Cliquez pour modifier les styles du texte du masque</a:t>
             </a:r>
           </a:p>
           <a:p>
             <a:pPr lvl="1"/>
             <a:r>
-              <a:rPr lang="fr-FR" dirty="0" smtClean="0"/>
+              <a:rPr lang="fr-FR" dirty="0"/>
               <a:t>Deuxième niveau</a:t>
             </a:r>
           </a:p>
           <a:p>
             <a:pPr lvl="2"/>
             <a:r>
-              <a:rPr lang="fr-FR" dirty="0" smtClean="0"/>
+              <a:rPr lang="fr-FR" dirty="0"/>
               <a:t>Troisième niveau</a:t>
             </a:r>
           </a:p>
           <a:p>
             <a:pPr lvl="3"/>
             <a:r>
-              <a:rPr lang="fr-FR" dirty="0" smtClean="0"/>
+              <a:rPr lang="fr-FR" dirty="0"/>
               <a:t>Quatrième niveau</a:t>
             </a:r>
           </a:p>
           <a:p>
             <a:pPr lvl="4"/>
             <a:r>
-              <a:rPr lang="fr-FR" dirty="0" smtClean="0"/>
+              <a:rPr lang="fr-FR" dirty="0"/>
               <a:t>Cinquième niveau</a:t>
             </a:r>
-            <a:endParaRPr lang="fr-FR" dirty="0"/>
           </a:p>
         </p:txBody>
       </p:sp>
@@ -2882,10 +2812,9 @@
           </a:lstStyle>
           <a:p>
             <a:r>
-              <a:rPr lang="fr-FR" dirty="0" smtClean="0"/>
+              <a:rPr lang="fr-FR" dirty="0"/>
               <a:t>Cliquez et modifiez le titre</a:t>
             </a:r>
-            <a:endParaRPr lang="fr-FR" dirty="0"/>
           </a:p>
         </p:txBody>
       </p:sp>
@@ -2946,7 +2875,7 @@
           <a:p>
             <a:fld id="{093F68C3-195D-9E4F-A0F2-F73993E4FFAC}" type="datetime1">
               <a:rPr lang="fr-FR" smtClean="0"/>
-              <a:t>13/11/16</a:t>
+              <a:t>08/11/2018</a:t>
             </a:fld>
             <a:endParaRPr lang="fr-FR" dirty="0"/>
           </a:p>
@@ -2984,7 +2913,7 @@
           </a:lstStyle>
           <a:p>
             <a:r>
-              <a:rPr lang="fr-FR" smtClean="0"/>
+              <a:rPr lang="fr-FR"/>
               <a:t>Python pour la biologie</a:t>
             </a:r>
             <a:endParaRPr lang="fr-FR" dirty="0"/>
@@ -3025,7 +2954,7 @@
             <a:fld id="{DCE37727-CC04-7A46-938D-2CCFF056F773}" type="slidenum">
               <a:rPr lang="fr-FR" smtClean="0"/>
               <a:pPr/>
-              <a:t>‹#›</a:t>
+              <a:t>‹N°›</a:t>
             </a:fld>
             <a:endParaRPr lang="fr-FR" dirty="0"/>
           </a:p>
@@ -3073,13 +3002,6 @@
   <p:clrMapOvr>
     <a:masterClrMapping/>
   </p:clrMapOvr>
-  <p:timing>
-    <p:tnLst>
-      <p:par>
-        <p:cTn xmlns:p14="http://schemas.microsoft.com/office/powerpoint/2010/main" id="1" dur="indefinite" restart="never" nodeType="tmRoot"/>
-      </p:par>
-    </p:tnLst>
-  </p:timing>
 </p:sldLayout>
 </file>
 
@@ -3167,18 +3089,13 @@
           <a:lstStyle/>
           <a:p>
             <a:r>
-              <a:rPr lang="fr-FR" sz="3200" dirty="0" smtClean="0">
+              <a:rPr lang="fr-FR" sz="3200" dirty="0">
                 <a:solidFill>
                   <a:srgbClr val="009DE0"/>
                 </a:solidFill>
               </a:rPr>
               <a:t>Chapitre 2</a:t>
             </a:r>
-            <a:endParaRPr lang="fr-FR" sz="3200" dirty="0">
-              <a:solidFill>
-                <a:srgbClr val="009DE0"/>
-              </a:solidFill>
-            </a:endParaRPr>
           </a:p>
         </p:txBody>
       </p:sp>
@@ -3274,13 +3191,6 @@
   <p:clrMapOvr>
     <a:masterClrMapping/>
   </p:clrMapOvr>
-  <p:timing>
-    <p:tnLst>
-      <p:par>
-        <p:cTn xmlns:p14="http://schemas.microsoft.com/office/powerpoint/2010/main" id="1" dur="indefinite" restart="never" nodeType="tmRoot"/>
-      </p:par>
-    </p:tnLst>
-  </p:timing>
 </p:sldLayout>
 </file>
 
@@ -3469,21 +3379,8 @@
                   <a:srgbClr val="FFFFFF"/>
                 </a:solidFill>
               </a:rPr>
-              <a:t>ditione dic tem hiciliciist, con rem aut volest, sedi doles erro te sa sam volum dolumqui aceprae eicipsa </a:t>
-            </a:r>
-            <a:r>
-              <a:rPr lang="fr-FR" baseline="30000" dirty="0" smtClean="0">
-                <a:solidFill>
-                  <a:srgbClr val="FFFFFF"/>
-                </a:solidFill>
-              </a:rPr>
-              <a:t>pelesequod</a:t>
-            </a:r>
-            <a:endParaRPr lang="fr-FR" baseline="30000" dirty="0">
-              <a:solidFill>
-                <a:srgbClr val="FFFFFF"/>
-              </a:solidFill>
-            </a:endParaRPr>
+              <a:t>ditione dic tem hiciliciist, con rem aut volest, sedi doles erro te sa sam volum dolumqui aceprae eicipsa pelesequod</a:t>
+            </a:r>
           </a:p>
         </p:txBody>
       </p:sp>
@@ -3684,18 +3581,13 @@
               <a:buNone/>
             </a:pPr>
             <a:r>
-              <a:rPr lang="fr-FR" sz="1200" b="1" dirty="0" smtClean="0">
+              <a:rPr lang="fr-FR" sz="1200" b="1" dirty="0">
                 <a:solidFill>
                   <a:schemeClr val="accent1"/>
                 </a:solidFill>
               </a:rPr>
               <a:t>titre</a:t>
             </a:r>
-            <a:endParaRPr lang="fr-FR" sz="1200" b="1" dirty="0">
-              <a:solidFill>
-                <a:schemeClr val="accent1"/>
-              </a:solidFill>
-            </a:endParaRPr>
           </a:p>
         </p:txBody>
       </p:sp>
@@ -3894,18 +3786,13 @@
               <a:buNone/>
             </a:pPr>
             <a:r>
-              <a:rPr lang="fr-FR" sz="1200" b="1" dirty="0" smtClean="0">
+              <a:rPr lang="fr-FR" sz="1200" b="1" dirty="0">
                 <a:solidFill>
                   <a:srgbClr val="FFFFFF"/>
                 </a:solidFill>
               </a:rPr>
               <a:t>titre</a:t>
             </a:r>
-            <a:endParaRPr lang="fr-FR" sz="1200" b="1" dirty="0">
-              <a:solidFill>
-                <a:srgbClr val="FFFFFF"/>
-              </a:solidFill>
-            </a:endParaRPr>
           </a:p>
         </p:txBody>
       </p:sp>
@@ -3943,19 +3830,14 @@
               <a:rPr lang="fr-FR" sz="3200" b="1" baseline="30000" dirty="0"/>
               <a:t>Itas eaquis et </a:t>
             </a:r>
-            <a:endParaRPr lang="fr-FR" sz="3200" b="1" baseline="30000" dirty="0" smtClean="0"/>
           </a:p>
           <a:p>
             <a:pPr>
               <a:buSzPct val="90000"/>
             </a:pPr>
             <a:r>
-              <a:rPr lang="fr-FR" sz="2400" b="1" baseline="30000" dirty="0" smtClean="0"/>
-              <a:t>excerferum </a:t>
-            </a:r>
-            <a:r>
               <a:rPr lang="fr-FR" sz="2400" b="1" baseline="30000" dirty="0"/>
-              <a:t>nuscien </a:t>
+              <a:t>excerferum nuscien </a:t>
             </a:r>
             <a:r>
               <a:rPr lang="fr-FR" sz="2400" baseline="30000" dirty="0"/>
@@ -4052,7 +3934,7 @@
               <a:t>, </a:t>
             </a:r>
             <a:r>
-              <a:rPr lang="fr-FR" sz="2400" baseline="30000" dirty="0" err="1" smtClean="0"/>
+              <a:rPr lang="fr-FR" sz="2400" baseline="30000" dirty="0" err="1"/>
               <a:t>iliquo</a:t>
             </a:r>
             <a:endParaRPr lang="fr-FR" sz="2400" baseline="30000" dirty="0"/>
@@ -4067,11 +3949,11 @@
               <a:buChar char="›"/>
             </a:pPr>
             <a:r>
-              <a:rPr lang="fr-FR" sz="2400" baseline="30000" dirty="0" err="1" smtClean="0"/>
+              <a:rPr lang="fr-FR" sz="2400" baseline="30000" dirty="0" err="1"/>
               <a:t>omnis</a:t>
             </a:r>
             <a:r>
-              <a:rPr lang="fr-FR" sz="2400" baseline="30000" dirty="0" smtClean="0"/>
+              <a:rPr lang="fr-FR" sz="2400" baseline="30000" dirty="0"/>
               <a:t> </a:t>
             </a:r>
             <a:r>
@@ -4155,71 +4037,71 @@
               <a:t> </a:t>
             </a:r>
             <a:r>
-              <a:rPr lang="fr-FR" sz="2400" baseline="30000" dirty="0" err="1" smtClean="0"/>
+              <a:rPr lang="fr-FR" sz="2400" baseline="30000" dirty="0" err="1"/>
               <a:t>iliciae</a:t>
             </a:r>
             <a:r>
-              <a:rPr lang="fr-FR" sz="2400" baseline="30000" dirty="0" smtClean="0"/>
+              <a:rPr lang="fr-FR" sz="2400" baseline="30000" dirty="0"/>
               <a:t> </a:t>
             </a:r>
             <a:r>
-              <a:rPr lang="fr-FR" sz="2400" baseline="30000" dirty="0" err="1" smtClean="0"/>
+              <a:rPr lang="fr-FR" sz="2400" baseline="30000" dirty="0" err="1"/>
               <a:t>cepernat</a:t>
             </a:r>
             <a:r>
-              <a:rPr lang="fr-FR" sz="2400" baseline="30000" dirty="0" smtClean="0"/>
+              <a:rPr lang="fr-FR" sz="2400" baseline="30000" dirty="0"/>
               <a:t> </a:t>
             </a:r>
             <a:r>
-              <a:rPr lang="fr-FR" sz="2400" baseline="30000" dirty="0" err="1" smtClean="0"/>
+              <a:rPr lang="fr-FR" sz="2400" baseline="30000" dirty="0" err="1"/>
               <a:t>fugitas</a:t>
             </a:r>
             <a:r>
-              <a:rPr lang="fr-FR" sz="2400" baseline="30000" dirty="0" smtClean="0"/>
+              <a:rPr lang="fr-FR" sz="2400" baseline="30000" dirty="0"/>
               <a:t> sa </a:t>
             </a:r>
             <a:r>
-              <a:rPr lang="fr-FR" sz="2400" baseline="30000" dirty="0" err="1" smtClean="0"/>
+              <a:rPr lang="fr-FR" sz="2400" baseline="30000" dirty="0" err="1"/>
               <a:t>conse</a:t>
             </a:r>
             <a:r>
-              <a:rPr lang="fr-FR" sz="2400" baseline="30000" dirty="0" smtClean="0"/>
+              <a:rPr lang="fr-FR" sz="2400" baseline="30000" dirty="0"/>
               <a:t> </a:t>
             </a:r>
             <a:r>
-              <a:rPr lang="fr-FR" sz="2400" baseline="30000" dirty="0" err="1" smtClean="0"/>
+              <a:rPr lang="fr-FR" sz="2400" baseline="30000" dirty="0" err="1"/>
               <a:t>molo</a:t>
             </a:r>
             <a:r>
-              <a:rPr lang="fr-FR" sz="2400" baseline="30000" dirty="0" smtClean="0"/>
+              <a:rPr lang="fr-FR" sz="2400" baseline="30000" dirty="0"/>
               <a:t> </a:t>
             </a:r>
             <a:r>
-              <a:rPr lang="fr-FR" sz="2400" baseline="30000" dirty="0" err="1" smtClean="0"/>
+              <a:rPr lang="fr-FR" sz="2400" baseline="30000" dirty="0" err="1"/>
               <a:t>modi</a:t>
             </a:r>
             <a:r>
-              <a:rPr lang="fr-FR" sz="2400" baseline="30000" dirty="0" smtClean="0"/>
+              <a:rPr lang="fr-FR" sz="2400" baseline="30000" dirty="0"/>
               <a:t> </a:t>
             </a:r>
             <a:r>
-              <a:rPr lang="fr-FR" sz="2400" baseline="30000" dirty="0" err="1" smtClean="0"/>
+              <a:rPr lang="fr-FR" sz="2400" baseline="30000" dirty="0" err="1"/>
               <a:t>berecti</a:t>
             </a:r>
             <a:r>
-              <a:rPr lang="fr-FR" sz="2400" baseline="30000" dirty="0" smtClean="0"/>
+              <a:rPr lang="fr-FR" sz="2400" baseline="30000" dirty="0"/>
               <a:t> tem </a:t>
             </a:r>
             <a:r>
-              <a:rPr lang="fr-FR" sz="2400" baseline="30000" dirty="0" err="1" smtClean="0"/>
+              <a:rPr lang="fr-FR" sz="2400" baseline="30000" dirty="0" err="1"/>
               <a:t>ius</a:t>
             </a:r>
             <a:r>
-              <a:rPr lang="fr-FR" sz="2400" baseline="30000" dirty="0" smtClean="0"/>
+              <a:rPr lang="fr-FR" sz="2400" baseline="30000" dirty="0"/>
               <a:t>, officie </a:t>
             </a:r>
             <a:r>
-              <a:rPr lang="fr-FR" sz="2400" baseline="30000" dirty="0" err="1" smtClean="0"/>
+              <a:rPr lang="fr-FR" sz="2400" baseline="30000" dirty="0" err="1"/>
               <a:t>ndiscipsam</a:t>
             </a:r>
             <a:endParaRPr lang="fr-FR" sz="2400" i="1" dirty="0"/>
@@ -4305,10 +4187,9 @@
           </a:lstStyle>
           <a:p>
             <a:r>
-              <a:rPr lang="fr-FR" dirty="0" smtClean="0"/>
+              <a:rPr lang="fr-FR" dirty="0"/>
               <a:t>Cliquez et modifiez le titre</a:t>
             </a:r>
-            <a:endParaRPr lang="fr-FR" dirty="0"/>
           </a:p>
         </p:txBody>
       </p:sp>
@@ -4369,7 +4250,7 @@
           <a:p>
             <a:fld id="{797E56E4-32A0-A24B-AE7B-5E5E4DFEC148}" type="datetime1">
               <a:rPr lang="fr-FR" smtClean="0"/>
-              <a:t>13/11/16</a:t>
+              <a:t>08/11/2018</a:t>
             </a:fld>
             <a:endParaRPr lang="fr-FR" dirty="0"/>
           </a:p>
@@ -4407,10 +4288,9 @@
           </a:lstStyle>
           <a:p>
             <a:r>
-              <a:rPr lang="fr-FR" smtClean="0"/>
+              <a:rPr lang="fr-FR"/>
               <a:t>Python pour la biologie</a:t>
             </a:r>
-            <a:endParaRPr lang="fr-FR"/>
           </a:p>
         </p:txBody>
       </p:sp>
@@ -4448,7 +4328,7 @@
             <a:fld id="{DCE37727-CC04-7A46-938D-2CCFF056F773}" type="slidenum">
               <a:rPr lang="fr-FR" smtClean="0"/>
               <a:pPr/>
-              <a:t>‹#›</a:t>
+              <a:t>‹N°›</a:t>
             </a:fld>
             <a:endParaRPr lang="fr-FR"/>
           </a:p>
@@ -4681,18 +4561,13 @@
               <a:buNone/>
             </a:pPr>
             <a:r>
-              <a:rPr lang="fr-FR" sz="1200" b="1" dirty="0" smtClean="0">
+              <a:rPr lang="fr-FR" sz="1200" b="1" dirty="0">
                 <a:solidFill>
                   <a:srgbClr val="FFFFFF"/>
                 </a:solidFill>
               </a:rPr>
               <a:t>titre</a:t>
             </a:r>
-            <a:endParaRPr lang="fr-FR" sz="1200" b="1" dirty="0">
-              <a:solidFill>
-                <a:srgbClr val="FFFFFF"/>
-              </a:solidFill>
-            </a:endParaRPr>
           </a:p>
         </p:txBody>
       </p:sp>
@@ -4706,13 +4581,6 @@
   <p:clrMapOvr>
     <a:masterClrMapping/>
   </p:clrMapOvr>
-  <p:timing>
-    <p:tnLst>
-      <p:par>
-        <p:cTn xmlns:p14="http://schemas.microsoft.com/office/powerpoint/2010/main" id="1" dur="indefinite" restart="never" nodeType="tmRoot"/>
-      </p:par>
-    </p:tnLst>
-  </p:timing>
 </p:sldLayout>
 </file>
 
@@ -4803,10 +4671,9 @@
               <a:tabLst/>
             </a:pPr>
             <a:r>
-              <a:rPr lang="fr-FR" sz="2800" b="1" i="0" baseline="30000" dirty="0" smtClean="0"/>
+              <a:rPr lang="fr-FR" sz="2800" b="1" i="0" baseline="30000" dirty="0"/>
               <a:t>excerferum nuscien</a:t>
             </a:r>
-            <a:endParaRPr lang="fr-FR" sz="2800" b="1" i="0" baseline="30000" dirty="0"/>
           </a:p>
           <a:p>
             <a:pPr marL="355600" indent="-355600" defTabSz="541338">
@@ -4822,14 +4689,9 @@
               <a:tabLst/>
             </a:pPr>
             <a:r>
-              <a:rPr lang="fr-FR" sz="2800" b="1" i="0" baseline="30000" dirty="0" smtClean="0"/>
-              <a:t>ditione </a:t>
-            </a:r>
-            <a:r>
               <a:rPr lang="fr-FR" sz="2800" b="1" i="0" baseline="30000" dirty="0"/>
-              <a:t>dic tem hiciliciist, con rem aut volest, sedi doles </a:t>
-            </a:r>
-            <a:endParaRPr lang="fr-FR" sz="2800" b="1" i="0" baseline="30000" dirty="0" smtClean="0"/>
+              <a:t>ditione dic tem hiciliciist, con rem aut volest, sedi doles </a:t>
+            </a:r>
           </a:p>
           <a:p>
             <a:pPr marL="355600" indent="-355600" defTabSz="541338">
@@ -4845,16 +4707,12 @@
               <a:tabLst/>
             </a:pPr>
             <a:r>
-              <a:rPr lang="fr-FR" sz="2800" b="1" i="0" baseline="30000" dirty="0" err="1" smtClean="0"/>
+              <a:rPr lang="fr-FR" sz="2800" b="1" i="0" baseline="30000" dirty="0" err="1"/>
               <a:t>erro</a:t>
             </a:r>
             <a:r>
-              <a:rPr lang="fr-FR" sz="2800" b="1" i="0" baseline="30000" dirty="0" smtClean="0"/>
-              <a:t> </a:t>
-            </a:r>
-            <a:r>
               <a:rPr lang="fr-FR" sz="2800" b="1" i="0" baseline="30000" dirty="0"/>
-              <a:t>te sa </a:t>
+              <a:t> te sa </a:t>
             </a:r>
             <a:r>
               <a:rPr lang="fr-FR" sz="2800" b="1" i="0" baseline="30000" dirty="0" err="1"/>
@@ -4889,10 +4747,10 @@
               <a:t> </a:t>
             </a:r>
             <a:r>
-              <a:rPr lang="fr-FR" sz="2800" b="1" i="0" baseline="30000" dirty="0" err="1" smtClean="0"/>
+              <a:rPr lang="fr-FR" sz="2800" b="1" i="0" baseline="30000" dirty="0" err="1"/>
               <a:t>eicipsa</a:t>
             </a:r>
-            <a:endParaRPr lang="fr-FR" sz="2800" b="1" i="0" baseline="30000" dirty="0" smtClean="0"/>
+            <a:endParaRPr lang="fr-FR" sz="2800" b="1" i="0" baseline="30000" dirty="0"/>
           </a:p>
           <a:p>
             <a:pPr marL="355600" indent="-355600" defTabSz="541338">
@@ -4908,19 +4766,15 @@
               <a:tabLst/>
             </a:pPr>
             <a:r>
-              <a:rPr lang="fr-FR" sz="2800" b="1" i="0" baseline="30000" dirty="0" err="1" smtClean="0"/>
+              <a:rPr lang="fr-FR" sz="2800" b="1" i="0" baseline="30000" dirty="0" err="1"/>
               <a:t>pelesequod</a:t>
             </a:r>
             <a:r>
-              <a:rPr lang="fr-FR" sz="2800" b="1" i="0" baseline="30000" dirty="0" smtClean="0"/>
-              <a:t> </a:t>
-            </a:r>
-            <a:r>
               <a:rPr lang="fr-FR" sz="2800" b="1" i="0" baseline="30000" dirty="0"/>
-              <a:t>que cum </a:t>
-            </a:r>
-            <a:r>
-              <a:rPr lang="fr-FR" sz="2800" b="1" i="0" baseline="30000" dirty="0" err="1" smtClean="0"/>
+              <a:t> que cum </a:t>
+            </a:r>
+            <a:r>
+              <a:rPr lang="fr-FR" sz="2800" b="1" i="0" baseline="30000" dirty="0" err="1"/>
               <a:t>hicieni</a:t>
             </a:r>
             <a:endParaRPr lang="fr-FR" sz="2800" b="1" i="0" dirty="0"/>
@@ -5122,7 +4976,7 @@
               <a:buNone/>
             </a:pPr>
             <a:r>
-              <a:rPr lang="fr-FR" sz="1800" b="1" smtClean="0">
+              <a:rPr lang="fr-FR" sz="1800" b="1">
                 <a:solidFill>
                   <a:srgbClr val="FFFFFF"/>
                 </a:solidFill>
@@ -5240,10 +5094,9 @@
           </a:lstStyle>
           <a:p>
             <a:r>
-              <a:rPr lang="fr-FR" dirty="0" smtClean="0"/>
+              <a:rPr lang="fr-FR" dirty="0"/>
               <a:t>Cliquez et modifiez le titre</a:t>
             </a:r>
-            <a:endParaRPr lang="fr-FR" dirty="0"/>
           </a:p>
         </p:txBody>
       </p:sp>
@@ -5280,7 +5133,7 @@
           <a:p>
             <a:fld id="{DE9A3856-CABC-754C-812C-14B8D30E1B18}" type="datetime1">
               <a:rPr lang="fr-FR" smtClean="0"/>
-              <a:t>13/11/16</a:t>
+              <a:t>08/11/2018</a:t>
             </a:fld>
             <a:endParaRPr lang="fr-FR" dirty="0"/>
           </a:p>
@@ -5318,10 +5171,9 @@
           </a:lstStyle>
           <a:p>
             <a:r>
-              <a:rPr lang="fr-FR" smtClean="0"/>
+              <a:rPr lang="fr-FR"/>
               <a:t>Python pour la biologie</a:t>
             </a:r>
-            <a:endParaRPr lang="fr-FR"/>
           </a:p>
         </p:txBody>
       </p:sp>
@@ -5359,7 +5211,7 @@
             <a:fld id="{DCE37727-CC04-7A46-938D-2CCFF056F773}" type="slidenum">
               <a:rPr lang="fr-FR" smtClean="0"/>
               <a:pPr/>
-              <a:t>‹#›</a:t>
+              <a:t>‹N°›</a:t>
             </a:fld>
             <a:endParaRPr lang="fr-FR"/>
           </a:p>
@@ -5407,13 +5259,6 @@
   <p:clrMapOvr>
     <a:masterClrMapping/>
   </p:clrMapOvr>
-  <p:timing>
-    <p:tnLst>
-      <p:par>
-        <p:cTn xmlns:p14="http://schemas.microsoft.com/office/powerpoint/2010/main" id="1" dur="indefinite" restart="never" nodeType="tmRoot"/>
-      </p:par>
-    </p:tnLst>
-  </p:timing>
 </p:sldLayout>
 </file>
 
@@ -5465,10 +5310,9 @@
           <a:lstStyle/>
           <a:p>
             <a:r>
-              <a:rPr lang="fr-FR" smtClean="0"/>
+              <a:rPr lang="fr-FR"/>
               <a:t>Cliquez et modifiez le titre</a:t>
             </a:r>
-            <a:endParaRPr lang="fr-FR"/>
           </a:p>
         </p:txBody>
       </p:sp>
@@ -5519,13 +5363,6 @@
     <p:sldLayoutId id="2147483655" r:id="rId6"/>
     <p:sldLayoutId id="2147483656" r:id="rId7"/>
   </p:sldLayoutIdLst>
-  <p:timing>
-    <p:tnLst>
-      <p:par>
-        <p:cTn xmlns:p14="http://schemas.microsoft.com/office/powerpoint/2010/main" id="1" dur="indefinite" restart="never" nodeType="tmRoot"/>
-      </p:par>
-    </p:tnLst>
-  </p:timing>
   <p:hf hdr="0"/>
   <p:txStyles>
     <p:titleStyle>
@@ -5822,16 +5659,9 @@
   <p:clrMapOvr>
     <a:masterClrMapping/>
   </p:clrMapOvr>
-  <p:transition xmlns:p14="http://schemas.microsoft.com/office/powerpoint/2010/main" spd="slow">
+  <p:transition spd="slow">
     <p:wipe/>
   </p:transition>
-  <p:timing>
-    <p:tnLst>
-      <p:par>
-        <p:cTn xmlns:p14="http://schemas.microsoft.com/office/powerpoint/2010/main" id="1" dur="indefinite" restart="never" nodeType="tmRoot"/>
-      </p:par>
-    </p:tnLst>
-  </p:timing>
 </p:sld>
 </file>
 
@@ -5874,10 +5704,9 @@
           <a:p>
             <a:pPr algn="ctr"/>
             <a:r>
-              <a:rPr lang="fr-FR" dirty="0" smtClean="0"/>
+              <a:rPr lang="fr-FR" dirty="0"/>
               <a:t>Biopython: BLAST</a:t>
             </a:r>
-            <a:endParaRPr lang="fr-FR" dirty="0"/>
           </a:p>
         </p:txBody>
       </p:sp>
@@ -5903,44 +5732,32 @@
           </a:bodyPr>
           <a:lstStyle/>
           <a:p>
-            <a:r>
-              <a:rPr lang="fr-FR" dirty="0" smtClean="0"/>
-              <a:t/>
-            </a:r>
-            <a:br>
-              <a:rPr lang="fr-FR" dirty="0" smtClean="0"/>
-            </a:br>
-            <a:r>
-              <a:rPr lang="fr-FR" dirty="0"/>
-              <a:t/>
-            </a:r>
             <a:br>
               <a:rPr lang="fr-FR" dirty="0"/>
             </a:br>
-            <a:r>
-              <a:rPr lang="fr-FR" dirty="0" smtClean="0">
+            <a:br>
+              <a:rPr lang="fr-FR" dirty="0"/>
+            </a:br>
+            <a:r>
+              <a:rPr lang="fr-FR" dirty="0">
                 <a:solidFill>
                   <a:schemeClr val="tx1"/>
                 </a:solidFill>
               </a:rPr>
               <a:t>Formation CNRS</a:t>
             </a:r>
-            <a:r>
-              <a:rPr lang="fr-FR" dirty="0" smtClean="0"/>
-              <a:t/>
-            </a:r>
             <a:br>
-              <a:rPr lang="fr-FR" dirty="0" smtClean="0"/>
+              <a:rPr lang="fr-FR"/>
             </a:br>
             <a:r>
-              <a:rPr lang="fr-FR" dirty="0" smtClean="0"/>
-              <a:t>18 Novembre 2016</a:t>
+              <a:rPr lang="fr-FR"/>
+              <a:t>8 Novembre 2018</a:t>
             </a:r>
             <a:br>
-              <a:rPr lang="fr-FR" dirty="0" smtClean="0"/>
+              <a:rPr lang="fr-FR" dirty="0"/>
             </a:br>
             <a:r>
-              <a:rPr lang="en-US" b="1" dirty="0" smtClean="0">
+              <a:rPr lang="en-US" b="1" dirty="0">
                 <a:solidFill>
                   <a:schemeClr val="tx1"/>
                 </a:solidFill>
@@ -5948,24 +5765,16 @@
               <a:t>Python pour la </a:t>
             </a:r>
             <a:r>
-              <a:rPr lang="en-US" b="1" dirty="0" err="1" smtClean="0">
+              <a:rPr lang="en-US" b="1" dirty="0" err="1">
                 <a:solidFill>
                   <a:schemeClr val="tx1"/>
                 </a:solidFill>
               </a:rPr>
               <a:t>biologie</a:t>
-            </a:r>
-            <a:r>
-              <a:rPr lang="en-US" b="1" dirty="0"/>
-              <a:t/>
             </a:r>
             <a:br>
               <a:rPr lang="en-US" b="1" dirty="0"/>
             </a:br>
-            <a:r>
-              <a:rPr lang="fr-FR" dirty="0"/>
-              <a:t/>
-            </a:r>
             <a:br>
               <a:rPr lang="fr-FR" dirty="0"/>
             </a:br>
@@ -6043,16 +5852,9 @@
   <p:clrMapOvr>
     <a:masterClrMapping/>
   </p:clrMapOvr>
-  <p:transition xmlns:p14="http://schemas.microsoft.com/office/powerpoint/2010/main" spd="slow">
+  <p:transition spd="slow">
     <p:wipe/>
   </p:transition>
-  <p:timing>
-    <p:tnLst>
-      <p:par>
-        <p:cTn xmlns:p14="http://schemas.microsoft.com/office/powerpoint/2010/main" id="1" dur="indefinite" restart="never" nodeType="tmRoot"/>
-      </p:par>
-    </p:tnLst>
-  </p:timing>
 </p:sld>
 </file>
 
@@ -6089,18 +5891,9 @@
           <a:lstStyle/>
           <a:p>
             <a:r>
-              <a:rPr lang="fr-FR" dirty="0" smtClean="0"/>
-              <a:t>Qu’est ce que </a:t>
-            </a:r>
-            <a:r>
-              <a:rPr lang="fr-FR" dirty="0" smtClean="0"/>
-              <a:t>Blast </a:t>
-            </a:r>
-            <a:r>
-              <a:rPr lang="fr-FR" dirty="0" smtClean="0"/>
-              <a:t>?</a:t>
-            </a:r>
-            <a:endParaRPr lang="fr-FR" dirty="0"/>
+              <a:rPr lang="fr-FR" dirty="0"/>
+              <a:t>Qu’est ce que Blast ?</a:t>
+            </a:r>
           </a:p>
         </p:txBody>
       </p:sp>
@@ -6120,7 +5913,7 @@
           <a:lstStyle/>
           <a:p>
             <a:r>
-              <a:rPr lang="en-US" dirty="0" smtClean="0"/>
+              <a:rPr lang="en-US" dirty="0"/>
               <a:t>The </a:t>
             </a:r>
             <a:r>
@@ -6129,23 +5922,15 @@
             </a:r>
             <a:r>
               <a:rPr lang="en-US" dirty="0"/>
-              <a:t> Project is an international association of developers of freely available Python </a:t>
-            </a:r>
-            <a:r>
-              <a:rPr lang="en-US" dirty="0" smtClean="0"/>
-              <a:t>tools </a:t>
-            </a:r>
+              <a:t> Project is an international association of developers of freely available Python tools for computational molecular biology</a:t>
+            </a:r>
+          </a:p>
+          <a:p>
+            <a:endParaRPr lang="en-US" dirty="0"/>
+          </a:p>
+          <a:p>
             <a:r>
               <a:rPr lang="en-US" dirty="0"/>
-              <a:t>for computational molecular biology</a:t>
-            </a:r>
-          </a:p>
-          <a:p>
-            <a:endParaRPr lang="en-US" dirty="0" smtClean="0"/>
-          </a:p>
-          <a:p>
-            <a:r>
-              <a:rPr lang="en-US" dirty="0" smtClean="0"/>
               <a:t>The </a:t>
             </a:r>
             <a:r>
@@ -6157,66 +5942,29 @@
               <a:t> web site </a:t>
             </a:r>
             <a:r>
-              <a:rPr lang="mr-IN" dirty="0" smtClean="0"/>
+              <a:rPr lang="mr-IN" dirty="0"/>
               <a:t>(</a:t>
             </a:r>
             <a:r>
-              <a:rPr lang="en-US" dirty="0" smtClean="0"/>
-              <a:t>http</a:t>
-            </a:r>
-            <a:r>
               <a:rPr lang="en-US" dirty="0"/>
-              <a:t>://</a:t>
-            </a:r>
-            <a:r>
-              <a:rPr lang="en-US" dirty="0" err="1" smtClean="0"/>
+              <a:t>http://</a:t>
+            </a:r>
+            <a:r>
+              <a:rPr lang="en-US" dirty="0" err="1"/>
               <a:t>www.biopython.org</a:t>
             </a:r>
             <a:r>
-              <a:rPr lang="en-US" dirty="0" smtClean="0"/>
-              <a:t>) </a:t>
-            </a:r>
-            <a:r>
               <a:rPr lang="en-US" dirty="0"/>
-              <a:t>provides an </a:t>
-            </a:r>
-            <a:r>
-              <a:rPr lang="en-US" dirty="0" smtClean="0"/>
-              <a:t>online resource </a:t>
-            </a:r>
+              <a:t>) provides an online resource for modules, scripts, and web links for developers of Python-based software for bioinformatics use and research. </a:t>
+            </a:r>
+          </a:p>
+          <a:p>
+            <a:endParaRPr lang="en-US" dirty="0"/>
+          </a:p>
+          <a:p>
             <a:r>
               <a:rPr lang="en-US" dirty="0"/>
-              <a:t>for modules, scripts</a:t>
-            </a:r>
-            <a:r>
-              <a:rPr lang="en-US" dirty="0" smtClean="0"/>
-              <a:t>, and </a:t>
-            </a:r>
-            <a:r>
-              <a:rPr lang="en-US" dirty="0"/>
-              <a:t>web links for developers of Python-based software for bioinformatics use and research. </a:t>
-            </a:r>
-            <a:endParaRPr lang="en-US" dirty="0" smtClean="0"/>
-          </a:p>
-          <a:p>
-            <a:endParaRPr lang="en-US" dirty="0"/>
-          </a:p>
-          <a:p>
-            <a:r>
-              <a:rPr lang="en-US" dirty="0" smtClean="0"/>
-              <a:t>Basically</a:t>
-            </a:r>
-            <a:r>
-              <a:rPr lang="en-US" dirty="0"/>
-              <a:t>, </a:t>
-            </a:r>
-            <a:r>
-              <a:rPr lang="en-US" dirty="0" smtClean="0"/>
-              <a:t>the goal </a:t>
-            </a:r>
-            <a:r>
-              <a:rPr lang="en-US" dirty="0"/>
-              <a:t>of </a:t>
+              <a:t>Basically, the goal of </a:t>
             </a:r>
             <a:r>
               <a:rPr lang="en-US" dirty="0" err="1"/>
@@ -6224,15 +5972,7 @@
             </a:r>
             <a:r>
               <a:rPr lang="en-US" dirty="0"/>
-              <a:t> is to make it as easy as possible to use Python for bioinformatics by creating high-quality</a:t>
-            </a:r>
-            <a:r>
-              <a:rPr lang="en-US" dirty="0" smtClean="0"/>
-              <a:t>, reusable </a:t>
-            </a:r>
-            <a:r>
-              <a:rPr lang="en-US" dirty="0"/>
-              <a:t>modules and </a:t>
+              <a:t> is to make it as easy as possible to use Python for bioinformatics by creating high-quality, reusable modules and </a:t>
             </a:r>
             <a:r>
               <a:rPr lang="en-US" dirty="0" err="1"/>
@@ -6241,7 +5981,7 @@
             <a:endParaRPr lang="en-US" dirty="0"/>
           </a:p>
           <a:p>
-            <a:endParaRPr lang="fr-FR" dirty="0" smtClean="0"/>
+            <a:endParaRPr lang="fr-FR" dirty="0"/>
           </a:p>
         </p:txBody>
       </p:sp>
@@ -6262,7 +6002,7 @@
           <a:p>
             <a:fld id="{9BBFB046-DC18-C04D-BD7C-1BA0FC9E7F71}" type="datetime1">
               <a:rPr lang="fr-FR" smtClean="0"/>
-              <a:t>13/11/16</a:t>
+              <a:t>08/11/2018</a:t>
             </a:fld>
             <a:endParaRPr lang="fr-FR" dirty="0"/>
           </a:p>
@@ -6284,7 +6024,7 @@
           <a:lstStyle/>
           <a:p>
             <a:r>
-              <a:rPr lang="fr-FR" smtClean="0"/>
+              <a:rPr lang="fr-FR"/>
               <a:t>Python pour la biologie</a:t>
             </a:r>
             <a:endParaRPr lang="fr-FR" dirty="0"/>
@@ -6459,14 +6199,13 @@
               <a:t>search against the nucleotide database (</a:t>
             </a:r>
             <a:r>
-              <a:rPr lang="en-US" dirty="0" err="1" smtClean="0"/>
+              <a:rPr lang="en-US" dirty="0" err="1"/>
               <a:t>nt</a:t>
             </a:r>
             <a:r>
-              <a:rPr lang="en-US" dirty="0" smtClean="0"/>
+              <a:rPr lang="en-US" dirty="0"/>
               <a:t>)</a:t>
             </a:r>
-            <a:endParaRPr lang="en-US" dirty="0" smtClean="0"/>
           </a:p>
         </p:txBody>
       </p:sp>
@@ -6487,7 +6226,7 @@
           <a:p>
             <a:fld id="{CB78E28A-D2CD-F44F-A0BB-600E48514626}" type="datetime1">
               <a:rPr lang="fr-FR" smtClean="0"/>
-              <a:t>13/11/16</a:t>
+              <a:t>08/11/2018</a:t>
             </a:fld>
             <a:endParaRPr lang="fr-FR" dirty="0"/>
           </a:p>
@@ -6509,7 +6248,7 @@
           <a:lstStyle/>
           <a:p>
             <a:r>
-              <a:rPr lang="fr-FR" smtClean="0"/>
+              <a:rPr lang="fr-FR"/>
               <a:t>Python pour la biologie</a:t>
             </a:r>
             <a:endParaRPr lang="fr-FR" dirty="0"/>
@@ -6792,13 +6531,8 @@
           <a:p>
             <a:r>
               <a:rPr lang="mr-IN" sz="1200" dirty="0"/>
-              <a:t>&gt;&gt;&gt; result_handle = NCBIWWW.qblast("blastn", "nt", fasta_string</a:t>
-            </a:r>
-            <a:r>
-              <a:rPr lang="mr-IN" sz="1200" dirty="0" smtClean="0"/>
-              <a:t>)</a:t>
-            </a:r>
-            <a:endParaRPr lang="mr-IN" sz="1200" dirty="0"/>
+              <a:t>&gt;&gt;&gt; result_handle = NCBIWWW.qblast("blastn", "nt", fasta_string)</a:t>
+            </a:r>
           </a:p>
         </p:txBody>
       </p:sp>
@@ -6997,11 +6731,7 @@
           <a:p>
             <a:r>
               <a:rPr lang="en-US" dirty="0"/>
-              <a:t>sequence already in a FASTA </a:t>
-            </a:r>
-            <a:r>
-              <a:rPr lang="en-US" dirty="0" smtClean="0"/>
-              <a:t>formatted file</a:t>
+              <a:t>sequence already in a FASTA formatted file</a:t>
             </a:r>
             <a:endParaRPr lang="fr-FR" dirty="0"/>
           </a:p>
@@ -7155,22 +6885,10 @@
           <a:p>
             <a:r>
               <a:rPr lang="en-US" dirty="0"/>
-              <a:t>read in the FASTA </a:t>
-            </a:r>
-            <a:r>
-              <a:rPr lang="en-US" dirty="0" smtClean="0"/>
-              <a:t>file </a:t>
-            </a:r>
-            <a:r>
-              <a:rPr lang="en-US" dirty="0"/>
-              <a:t>as </a:t>
-            </a:r>
-            <a:r>
-              <a:rPr lang="en-US" dirty="0" smtClean="0"/>
-              <a:t>a </a:t>
-            </a:r>
-            <a:r>
-              <a:rPr lang="en-US" dirty="0" err="1" smtClean="0"/>
+              <a:t>read in the FASTA file as a </a:t>
+            </a:r>
+            <a:r>
+              <a:rPr lang="en-US" dirty="0" err="1"/>
               <a:t>SeqRecord</a:t>
             </a:r>
             <a:endParaRPr lang="en-US" dirty="0"/>
@@ -7328,11 +7046,7 @@
           <a:p>
             <a:r>
               <a:rPr lang="en-US" dirty="0"/>
-              <a:t>Supplying just the sequence means that BLAST will assign an </a:t>
-            </a:r>
-            <a:r>
-              <a:rPr lang="en-US" dirty="0" smtClean="0"/>
-              <a:t>identifier </a:t>
+              <a:t>Supplying just the sequence means that BLAST will assign an identifier </a:t>
             </a:r>
             <a:endParaRPr lang="fr-FR" dirty="0"/>
           </a:p>
@@ -7412,106 +7126,38 @@
           <a:lstStyle/>
           <a:p>
             <a:r>
-              <a:rPr lang="en-US" dirty="0" smtClean="0"/>
-              <a:t>Get </a:t>
-            </a:r>
-            <a:r>
               <a:rPr lang="en-US" dirty="0"/>
-              <a:t>back your results in a </a:t>
-            </a:r>
-            <a:r>
-              <a:rPr lang="en-US" dirty="0" smtClean="0"/>
-              <a:t>handle object </a:t>
-            </a:r>
+              <a:t>Get back your results in a handle object (by default in XML format).</a:t>
+            </a:r>
+          </a:p>
+          <a:p>
             <a:r>
               <a:rPr lang="en-US" dirty="0"/>
-              <a:t>(by default in XML format)</a:t>
-            </a:r>
-            <a:r>
-              <a:rPr lang="en-US" dirty="0" smtClean="0"/>
-              <a:t>.</a:t>
+              <a:t>Next step would be to parse the XML output into Python objects representing the search result</a:t>
             </a:r>
           </a:p>
           <a:p>
             <a:r>
               <a:rPr lang="en-US" dirty="0"/>
-              <a:t>N</a:t>
-            </a:r>
-            <a:r>
-              <a:rPr lang="en-US" dirty="0" smtClean="0"/>
-              <a:t>ext </a:t>
-            </a:r>
+              <a:t>save a local copy of the output le first</a:t>
+            </a:r>
+          </a:p>
+          <a:p>
             <a:r>
               <a:rPr lang="en-US" dirty="0"/>
-              <a:t>step would be to parse the XML output into Python </a:t>
-            </a:r>
-            <a:r>
-              <a:rPr lang="en-US" dirty="0" smtClean="0"/>
-              <a:t>objects representing </a:t>
+              <a:t>Use “</a:t>
+            </a:r>
+            <a:r>
+              <a:rPr lang="en-US" dirty="0" err="1"/>
+              <a:t>result_handle.read</a:t>
             </a:r>
             <a:r>
               <a:rPr lang="en-US" dirty="0"/>
-              <a:t>the search </a:t>
-            </a:r>
-            <a:r>
-              <a:rPr lang="en-US" dirty="0" smtClean="0"/>
-              <a:t>result</a:t>
-            </a:r>
-          </a:p>
-          <a:p>
-            <a:r>
-              <a:rPr lang="en-US" dirty="0"/>
-              <a:t>save a local copy of the output le </a:t>
-            </a:r>
-            <a:r>
-              <a:rPr lang="en-US" dirty="0" smtClean="0"/>
-              <a:t>first</a:t>
-            </a:r>
-          </a:p>
-          <a:p>
-            <a:r>
-              <a:rPr lang="en-US" dirty="0" smtClean="0"/>
-              <a:t>Use</a:t>
-            </a:r>
-            <a:r>
-              <a:rPr lang="en-US" dirty="0"/>
-              <a:t> </a:t>
-            </a:r>
-            <a:r>
-              <a:rPr lang="en-US" dirty="0" smtClean="0"/>
-              <a:t>“</a:t>
-            </a:r>
-            <a:r>
-              <a:rPr lang="en-US" dirty="0" err="1" smtClean="0"/>
-              <a:t>result_handle.read</a:t>
-            </a:r>
-            <a:r>
-              <a:rPr lang="en-US" dirty="0"/>
-              <a:t>(</a:t>
-            </a:r>
-            <a:r>
-              <a:rPr lang="en-US" dirty="0" smtClean="0"/>
-              <a:t>)”</a:t>
-            </a:r>
-            <a:r>
-              <a:rPr lang="en-US" dirty="0"/>
-              <a:t> </a:t>
-            </a:r>
-            <a:r>
-              <a:rPr lang="en-US" dirty="0" smtClean="0"/>
-              <a:t>to </a:t>
-            </a:r>
-            <a:r>
-              <a:rPr lang="en-US" dirty="0"/>
-              <a:t>read the BLAST output </a:t>
-            </a:r>
-            <a:r>
-              <a:rPr lang="en-US" dirty="0" smtClean="0"/>
-              <a:t>only once</a:t>
-            </a:r>
-          </a:p>
-          <a:p>
-            <a:endParaRPr lang="en-US" dirty="0" smtClean="0"/>
+              <a:t>()” to read the BLAST output only once</a:t>
+            </a:r>
+          </a:p>
+          <a:p>
+            <a:endParaRPr lang="en-US" dirty="0"/>
           </a:p>
           <a:p>
             <a:pPr marL="0" indent="0">
@@ -7523,30 +7169,13 @@
             <a:pPr marL="0" indent="0">
               <a:buNone/>
             </a:pPr>
-            <a:endParaRPr lang="en-US" dirty="0" smtClean="0"/>
-          </a:p>
-          <a:p>
-            <a:r>
-              <a:rPr lang="en-US" dirty="0" smtClean="0"/>
-              <a:t>just </a:t>
-            </a:r>
+            <a:endParaRPr lang="en-US" dirty="0"/>
+          </a:p>
+          <a:p>
             <a:r>
               <a:rPr lang="en-US" dirty="0"/>
-              <a:t>open the saved </a:t>
-            </a:r>
-            <a:r>
-              <a:rPr lang="en-US" dirty="0" smtClean="0"/>
-              <a:t>file </a:t>
-            </a:r>
-            <a:r>
-              <a:rPr lang="en-US" dirty="0"/>
-              <a:t>for input</a:t>
-            </a:r>
-            <a:r>
-              <a:rPr lang="en-US" dirty="0" smtClean="0"/>
-              <a:t>:</a:t>
-            </a:r>
-            <a:endParaRPr lang="en-US" dirty="0"/>
+              <a:t>just open the saved file for input:</a:t>
+            </a:r>
           </a:p>
         </p:txBody>
       </p:sp>
@@ -7567,7 +7196,7 @@
           <a:p>
             <a:fld id="{751463B9-2A29-154C-A5AC-383AEA094CA9}" type="datetime1">
               <a:rPr lang="fr-FR" smtClean="0"/>
-              <a:t>13/11/16</a:t>
+              <a:t>08/11/2018</a:t>
             </a:fld>
             <a:endParaRPr lang="fr-FR" dirty="0"/>
           </a:p>
@@ -7589,7 +7218,7 @@
           <a:lstStyle/>
           <a:p>
             <a:r>
-              <a:rPr lang="fr-FR" smtClean="0"/>
+              <a:rPr lang="fr-FR"/>
               <a:t>Python pour la biologie</a:t>
             </a:r>
             <a:endParaRPr lang="fr-FR" dirty="0"/>
@@ -7689,19 +7318,8 @@
                 <a:latin typeface="Arial"/>
                 <a:cs typeface="Arial"/>
               </a:rPr>
-              <a:t>&gt;&gt;&gt; result_handle.close(</a:t>
-            </a:r>
-            <a:r>
-              <a:rPr lang="mr-IN" sz="1200" dirty="0" smtClean="0">
-                <a:latin typeface="Arial"/>
-                <a:cs typeface="Arial"/>
-              </a:rPr>
-              <a:t>)</a:t>
-            </a:r>
-            <a:endParaRPr lang="mr-IN" sz="1200" dirty="0">
-              <a:latin typeface="Arial"/>
-              <a:cs typeface="Arial"/>
-            </a:endParaRPr>
+              <a:t>&gt;&gt;&gt; result_handle.close()</a:t>
+            </a:r>
           </a:p>
         </p:txBody>
       </p:sp>
@@ -7755,14 +7373,13 @@
               <a:t> = open("</a:t>
             </a:r>
             <a:r>
-              <a:rPr lang="en-US" sz="1200" dirty="0" err="1" smtClean="0"/>
+              <a:rPr lang="en-US" sz="1200" dirty="0" err="1"/>
               <a:t>my_blast.xml</a:t>
             </a:r>
             <a:r>
-              <a:rPr lang="en-US" sz="1200" dirty="0" smtClean="0"/>
+              <a:rPr lang="en-US" sz="1200" dirty="0"/>
               <a:t>”)</a:t>
             </a:r>
-            <a:endParaRPr lang="en-US" sz="1200" dirty="0"/>
           </a:p>
         </p:txBody>
       </p:sp>
@@ -8031,11 +7648,11 @@
           </a:lstStyle>
           <a:p>
             <a:r>
-              <a:rPr lang="fr-FR" smtClean="0"/>
+              <a:rPr lang="fr-FR"/>
               <a:t>S</a:t>
             </a:r>
             <a:r>
-              <a:rPr lang="en-US" smtClean="0"/>
+              <a:rPr lang="en-US"/>
               <a:t>everal format as XML, HTML, and plain text</a:t>
             </a:r>
             <a:endParaRPr lang="fr-FR" dirty="0"/>
@@ -8299,21 +7916,16 @@
           <a:p>
             <a:r>
               <a:rPr lang="en-US" dirty="0"/>
-              <a:t>have the BLAST output (in XML format) in the </a:t>
-            </a:r>
-            <a:r>
-              <a:rPr lang="en-US" dirty="0" smtClean="0"/>
-              <a:t>file “</a:t>
-            </a:r>
-            <a:r>
-              <a:rPr lang="en-US" dirty="0" err="1" smtClean="0"/>
+              <a:t>have the BLAST output (in XML format) in the file “</a:t>
+            </a:r>
+            <a:r>
+              <a:rPr lang="en-US" dirty="0" err="1"/>
               <a:t>my_blast.xml</a:t>
             </a:r>
             <a:r>
-              <a:rPr lang="en-US" dirty="0" smtClean="0"/>
+              <a:rPr lang="en-US" dirty="0"/>
               <a:t>”</a:t>
             </a:r>
-            <a:endParaRPr lang="en-US" dirty="0"/>
           </a:p>
         </p:txBody>
       </p:sp>
@@ -8365,14 +7977,13 @@
           <a:lstStyle/>
           <a:p>
             <a:r>
-              <a:rPr lang="fr-FR" dirty="0" err="1" smtClean="0"/>
+              <a:rPr lang="fr-FR" dirty="0" err="1"/>
               <a:t>Parsing</a:t>
             </a:r>
             <a:r>
-              <a:rPr lang="fr-FR" dirty="0" smtClean="0"/>
+              <a:rPr lang="fr-FR" dirty="0"/>
               <a:t> BLAST output</a:t>
             </a:r>
-            <a:endParaRPr lang="fr-FR" dirty="0"/>
           </a:p>
         </p:txBody>
       </p:sp>
@@ -8393,7 +8004,7 @@
           <a:p>
             <a:fld id="{67C2DE1B-3D66-5E48-B45C-4460F9197AEE}" type="datetime1">
               <a:rPr lang="fr-FR" smtClean="0"/>
-              <a:t>13/11/16</a:t>
+              <a:t>08/11/2018</a:t>
             </a:fld>
             <a:endParaRPr lang="fr-FR" dirty="0"/>
           </a:p>
@@ -8415,7 +8026,7 @@
           <a:lstStyle/>
           <a:p>
             <a:r>
-              <a:rPr lang="fr-FR" smtClean="0"/>
+              <a:rPr lang="fr-FR"/>
               <a:t>Python pour la biologie</a:t>
             </a:r>
             <a:endParaRPr lang="fr-FR" dirty="0"/>
@@ -8484,26 +8095,22 @@
           </a:lstStyle>
           <a:p>
             <a:r>
-              <a:rPr lang="en-US" sz="1200" dirty="0" smtClean="0"/>
+              <a:rPr lang="en-US" sz="1200" dirty="0"/>
               <a:t>&gt;&gt;&gt; from </a:t>
             </a:r>
             <a:r>
-              <a:rPr lang="en-US" sz="1200" dirty="0" err="1" smtClean="0"/>
+              <a:rPr lang="en-US" sz="1200" dirty="0" err="1"/>
               <a:t>Bio.Blast</a:t>
             </a:r>
             <a:r>
-              <a:rPr lang="en-US" sz="1200" dirty="0" smtClean="0"/>
+              <a:rPr lang="en-US" sz="1200" dirty="0"/>
               <a:t> import NCBIXML</a:t>
             </a:r>
           </a:p>
           <a:p>
             <a:r>
-              <a:rPr lang="en-US" sz="1200" dirty="0" smtClean="0"/>
-              <a:t>&gt;</a:t>
-            </a:r>
-            <a:r>
               <a:rPr lang="en-US" sz="1200" dirty="0"/>
-              <a:t>&gt;&gt; </a:t>
+              <a:t>&gt;&gt;&gt; </a:t>
             </a:r>
             <a:r>
               <a:rPr lang="en-US" sz="1200" dirty="0" err="1"/>
@@ -8514,11 +8121,11 @@
               <a:t> = </a:t>
             </a:r>
             <a:r>
-              <a:rPr lang="en-US" sz="1200" dirty="0" err="1" smtClean="0"/>
+              <a:rPr lang="en-US" sz="1200" dirty="0" err="1"/>
               <a:t>NCBIXML.read</a:t>
             </a:r>
             <a:r>
-              <a:rPr lang="en-US" sz="1200" dirty="0" smtClean="0"/>
+              <a:rPr lang="en-US" sz="1200" dirty="0"/>
               <a:t>(</a:t>
             </a:r>
             <a:r>
@@ -8570,12 +8177,8 @@
           </a:lstStyle>
           <a:p>
             <a:r>
-              <a:rPr lang="en-US" sz="1200" dirty="0" smtClean="0"/>
-              <a:t>&gt;</a:t>
-            </a:r>
-            <a:r>
               <a:rPr lang="en-US" sz="1200" dirty="0"/>
-              <a:t>&gt;&gt; </a:t>
+              <a:t>&gt;&gt;&gt; </a:t>
             </a:r>
             <a:r>
               <a:rPr lang="en-US" sz="1200" dirty="0" err="1"/>
@@ -8814,26 +8417,22 @@
           <a:p>
             <a:r>
               <a:rPr lang="da-DK" dirty="0"/>
-              <a:t>single BLAST </a:t>
-            </a:r>
-            <a:r>
-              <a:rPr lang="da-DK" dirty="0" smtClean="0"/>
-              <a:t>result (single </a:t>
-            </a:r>
-            <a:r>
-              <a:rPr lang="da-DK" dirty="0" err="1" smtClean="0"/>
+              <a:t>single BLAST result (single </a:t>
+            </a:r>
+            <a:r>
+              <a:rPr lang="da-DK" dirty="0" err="1"/>
               <a:t>query</a:t>
             </a:r>
             <a:r>
-              <a:rPr lang="da-DK" dirty="0" smtClean="0"/>
+              <a:rPr lang="da-DK" dirty="0"/>
               <a:t> </a:t>
             </a:r>
             <a:r>
-              <a:rPr lang="da-DK" dirty="0" err="1" smtClean="0"/>
+              <a:rPr lang="da-DK" dirty="0" err="1"/>
               <a:t>sequence</a:t>
             </a:r>
             <a:r>
-              <a:rPr lang="da-DK" dirty="0" smtClean="0"/>
+              <a:rPr lang="da-DK" dirty="0"/>
               <a:t>)</a:t>
             </a:r>
             <a:endParaRPr lang="fr-FR" dirty="0"/>
@@ -9049,16 +8648,8 @@
           </a:lstStyle>
           <a:p>
             <a:r>
-              <a:rPr lang="en-US" dirty="0" smtClean="0"/>
-              <a:t>Lots </a:t>
-            </a:r>
-            <a:r>
               <a:rPr lang="en-US" dirty="0"/>
-              <a:t>of </a:t>
-            </a:r>
-            <a:r>
-              <a:rPr lang="en-US" dirty="0" smtClean="0"/>
-              <a:t>results (multiple query sequences) </a:t>
+              <a:t>Lots of results (multiple query sequences) </a:t>
             </a:r>
             <a:endParaRPr lang="fr-FR" dirty="0"/>
           </a:p>
@@ -9273,34 +8864,25 @@
           </a:lstStyle>
           <a:p>
             <a:r>
-              <a:rPr lang="en-US" dirty="0" smtClean="0"/>
+              <a:rPr lang="en-US" dirty="0"/>
               <a:t>Like </a:t>
             </a:r>
             <a:r>
-              <a:rPr lang="en-US" dirty="0" err="1" smtClean="0"/>
+              <a:rPr lang="en-US" dirty="0" err="1"/>
               <a:t>Bio.SeqIO</a:t>
             </a:r>
             <a:r>
-              <a:rPr lang="en-US" dirty="0" smtClean="0"/>
+              <a:rPr lang="en-US" dirty="0"/>
               <a:t> and </a:t>
             </a:r>
             <a:r>
-              <a:rPr lang="en-US" dirty="0" err="1" smtClean="0"/>
+              <a:rPr lang="en-US" dirty="0" err="1"/>
               <a:t>Bio.AlignIO</a:t>
             </a:r>
             <a:r>
-              <a:rPr lang="en-US" dirty="0" smtClean="0"/>
-              <a:t>, </a:t>
-            </a:r>
-            <a:r>
               <a:rPr lang="en-US" dirty="0"/>
-              <a:t>we have a pair of input functions, read (one object) and </a:t>
-            </a:r>
-            <a:r>
-              <a:rPr lang="en-US" dirty="0" smtClean="0"/>
-              <a:t>parse (multiple objects)</a:t>
-            </a:r>
-            <a:endParaRPr lang="en-US" dirty="0"/>
+              <a:t>, we have a pair of input functions, read (one object) and parse (multiple objects)</a:t>
+            </a:r>
           </a:p>
           <a:p>
             <a:endParaRPr lang="fr-FR" dirty="0"/>
@@ -9336,15 +8918,7 @@
             </a:r>
             <a:r>
               <a:rPr lang="en-US" dirty="0"/>
-              <a:t>(</a:t>
-            </a:r>
-            <a:r>
-              <a:rPr lang="en-US" dirty="0" smtClean="0"/>
-              <a:t>) returns </a:t>
-            </a:r>
-            <a:r>
-              <a:rPr lang="en-US" dirty="0"/>
-              <a:t>an iterator.</a:t>
+              <a:t>() returns an iterator.</a:t>
             </a:r>
           </a:p>
         </p:txBody>
@@ -9387,12 +8961,8 @@
           </a:lstStyle>
           <a:p>
             <a:r>
-              <a:rPr lang="en-US" sz="1200" dirty="0" smtClean="0"/>
-              <a:t>&gt;</a:t>
-            </a:r>
-            <a:r>
               <a:rPr lang="en-US" sz="1200" dirty="0"/>
-              <a:t>&gt;&gt; </a:t>
+              <a:t>&gt;&gt;&gt; </a:t>
             </a:r>
             <a:r>
               <a:rPr lang="en-US" sz="1200" dirty="0" err="1"/>
@@ -9437,7 +9007,7 @@
               <a:t>blast_records</a:t>
             </a:r>
             <a:r>
-              <a:rPr lang="en-US" sz="1200" dirty="0" smtClean="0"/>
+              <a:rPr lang="en-US" sz="1200" dirty="0"/>
               <a:t>)</a:t>
             </a:r>
           </a:p>
@@ -9454,45 +9024,8 @@
           </a:p>
           <a:p>
             <a:r>
-              <a:rPr lang="en-US" sz="1200" dirty="0" smtClean="0"/>
+              <a:rPr lang="en-US" sz="1200" dirty="0"/>
               <a:t>&gt;&gt;&gt; </a:t>
-            </a:r>
-            <a:r>
-              <a:rPr lang="en-US" sz="1200" dirty="0" err="1" smtClean="0"/>
-              <a:t>blast_record</a:t>
-            </a:r>
-            <a:r>
-              <a:rPr lang="en-US" sz="1200" dirty="0" smtClean="0"/>
-              <a:t> = next(</a:t>
-            </a:r>
-            <a:r>
-              <a:rPr lang="en-US" sz="1200" dirty="0" err="1" smtClean="0"/>
-              <a:t>blast_records</a:t>
-            </a:r>
-            <a:r>
-              <a:rPr lang="en-US" sz="1200" dirty="0" smtClean="0"/>
-              <a:t>)</a:t>
-            </a:r>
-          </a:p>
-          <a:p>
-            <a:r>
-              <a:rPr lang="en-US" sz="1200" dirty="0" smtClean="0"/>
-              <a:t># ... do something with </a:t>
-            </a:r>
-            <a:r>
-              <a:rPr lang="en-US" sz="1200" dirty="0" err="1" smtClean="0"/>
-              <a:t>blast_record</a:t>
-            </a:r>
-            <a:endParaRPr lang="en-US" sz="1200" dirty="0" smtClean="0"/>
-          </a:p>
-          <a:p>
-            <a:r>
-              <a:rPr lang="en-US" sz="1200" dirty="0" smtClean="0"/>
-              <a:t>&gt;</a:t>
-            </a:r>
-            <a:r>
-              <a:rPr lang="en-US" sz="1200" dirty="0"/>
-              <a:t>&gt;&gt; </a:t>
             </a:r>
             <a:r>
               <a:rPr lang="en-US" sz="1200" dirty="0" err="1"/>
@@ -9513,6 +9046,39 @@
           </a:p>
           <a:p>
             <a:r>
+              <a:rPr lang="en-US" sz="1200" dirty="0"/>
+              <a:t># ... do something with </a:t>
+            </a:r>
+            <a:r>
+              <a:rPr lang="en-US" sz="1200" dirty="0" err="1"/>
+              <a:t>blast_record</a:t>
+            </a:r>
+            <a:endParaRPr lang="en-US" sz="1200" dirty="0"/>
+          </a:p>
+          <a:p>
+            <a:r>
+              <a:rPr lang="en-US" sz="1200" dirty="0"/>
+              <a:t>&gt;&gt;&gt; </a:t>
+            </a:r>
+            <a:r>
+              <a:rPr lang="en-US" sz="1200" dirty="0" err="1"/>
+              <a:t>blast_record</a:t>
+            </a:r>
+            <a:r>
+              <a:rPr lang="en-US" sz="1200" dirty="0"/>
+              <a:t> = next(</a:t>
+            </a:r>
+            <a:r>
+              <a:rPr lang="en-US" sz="1200" dirty="0" err="1"/>
+              <a:t>blast_records</a:t>
+            </a:r>
+            <a:r>
+              <a:rPr lang="en-US" sz="1200" dirty="0"/>
+              <a:t>)</a:t>
+            </a:r>
+          </a:p>
+          <a:p>
+            <a:r>
               <a:rPr lang="en-US" sz="1200" dirty="0" err="1"/>
               <a:t>Traceback</a:t>
             </a:r>
@@ -9545,13 +9111,8 @@
           <a:p>
             <a:r>
               <a:rPr lang="en-US" sz="1200" dirty="0"/>
-              <a:t># No further </a:t>
-            </a:r>
-            <a:r>
-              <a:rPr lang="en-US" sz="1200" dirty="0" smtClean="0"/>
-              <a:t>records</a:t>
-            </a:r>
-            <a:endParaRPr lang="en-US" sz="1200" dirty="0"/>
+              <a:t># No further records</a:t>
+            </a:r>
           </a:p>
         </p:txBody>
       </p:sp>
@@ -9606,13 +9167,8 @@
             </a:r>
             <a:r>
               <a:rPr lang="fr-FR" dirty="0"/>
-              <a:t> BLAST </a:t>
-            </a:r>
-            <a:r>
-              <a:rPr lang="fr-FR" dirty="0" smtClean="0"/>
-              <a:t>output (2)</a:t>
-            </a:r>
-            <a:endParaRPr lang="fr-FR" dirty="0"/>
+              <a:t> BLAST output (2)</a:t>
+            </a:r>
           </a:p>
         </p:txBody>
       </p:sp>
@@ -9633,7 +9189,7 @@
           <a:p>
             <a:fld id="{93CBED37-D7BB-174A-9FC7-56685CD6E865}" type="datetime1">
               <a:rPr lang="fr-FR" smtClean="0"/>
-              <a:t>13/11/16</a:t>
+              <a:t>08/11/2018</a:t>
             </a:fld>
             <a:endParaRPr lang="fr-FR" dirty="0"/>
           </a:p>
@@ -9655,7 +9211,7 @@
           <a:lstStyle/>
           <a:p>
             <a:r>
-              <a:rPr lang="fr-FR" smtClean="0"/>
+              <a:rPr lang="fr-FR"/>
               <a:t>Python pour la biologie</a:t>
             </a:r>
             <a:endParaRPr lang="fr-FR" dirty="0"/>
@@ -10099,36 +9655,15 @@
           </a:lstStyle>
           <a:p>
             <a:r>
-              <a:rPr lang="en-US" dirty="0" smtClean="0"/>
-              <a:t>Step </a:t>
-            </a:r>
-            <a:r>
               <a:rPr lang="en-US" dirty="0"/>
-              <a:t>through the BLAST records only once</a:t>
-            </a:r>
-            <a:r>
-              <a:rPr lang="en-US" dirty="0" smtClean="0"/>
-              <a:t>.</a:t>
+              <a:t>Step through the BLAST records only once.</a:t>
             </a:r>
           </a:p>
           <a:p>
             <a:r>
               <a:rPr lang="en-US" dirty="0"/>
-              <a:t>If you want to save all returned BLAST records</a:t>
-            </a:r>
-            <a:r>
-              <a:rPr lang="en-US" dirty="0" smtClean="0"/>
-              <a:t>, you </a:t>
-            </a:r>
-            <a:r>
-              <a:rPr lang="en-US" dirty="0"/>
-              <a:t>can convert the iterator into a </a:t>
-            </a:r>
-            <a:r>
-              <a:rPr lang="en-US" dirty="0" smtClean="0"/>
-              <a:t>list</a:t>
-            </a:r>
-            <a:endParaRPr lang="en-US" dirty="0"/>
+              <a:t>If you want to save all returned BLAST records, you can convert the iterator into a list</a:t>
+            </a:r>
           </a:p>
         </p:txBody>
       </p:sp>
@@ -10153,12 +9688,8 @@
           <a:lstStyle/>
           <a:p>
             <a:r>
-              <a:rPr lang="en-US" dirty="0" smtClean="0"/>
-              <a:t>Usually</a:t>
-            </a:r>
-            <a:r>
               <a:rPr lang="en-US" dirty="0"/>
-              <a:t>, you'll be running one BLAST search at a time</a:t>
+              <a:t>Usually, you'll be running one BLAST search at a time</a:t>
             </a:r>
             <a:endParaRPr lang="fr-FR" dirty="0"/>
           </a:p>
@@ -10511,13 +10042,6 @@
   <p:clrMapOvr>
     <a:masterClrMapping/>
   </p:clrMapOvr>
-  <p:timing>
-    <p:tnLst>
-      <p:par>
-        <p:cTn xmlns:p14="http://schemas.microsoft.com/office/powerpoint/2010/main" id="1" dur="indefinite" restart="never" nodeType="tmRoot"/>
-      </p:par>
-    </p:tnLst>
-  </p:timing>
 </p:sld>
 </file>
 
@@ -10554,7 +10078,7 @@
           <a:lstStyle/>
           <a:p>
             <a:r>
-              <a:rPr lang="fr-FR" dirty="0" smtClean="0">
+              <a:rPr lang="fr-FR" dirty="0">
                 <a:solidFill>
                   <a:schemeClr val="bg1"/>
                 </a:solidFill>
@@ -10562,18 +10086,7 @@
                 <a:ea typeface="Lucida Grande"/>
                 <a:cs typeface="Lucida Grande"/>
               </a:rPr>
-              <a:t>The BLAST record class (</a:t>
-            </a:r>
-            <a:r>
-              <a:rPr lang="fr-FR" dirty="0" smtClean="0">
-                <a:solidFill>
-                  <a:schemeClr val="bg1"/>
-                </a:solidFill>
-                <a:latin typeface="Lucida Grande"/>
-                <a:ea typeface="Lucida Grande"/>
-                <a:cs typeface="Lucida Grande"/>
-              </a:rPr>
-              <a:t>1)</a:t>
+              <a:t>The BLAST record class (1)</a:t>
             </a:r>
             <a:endParaRPr lang="fr-FR" dirty="0">
               <a:solidFill>
@@ -10604,12 +10117,8 @@
           <a:lstStyle/>
           <a:p>
             <a:r>
-              <a:rPr lang="en-US" dirty="0" smtClean="0"/>
-              <a:t>Everything </a:t>
-            </a:r>
-            <a:r>
               <a:rPr lang="en-US" dirty="0"/>
-              <a:t>you might ever want to extract from the BLAST output</a:t>
+              <a:t>Everything you might ever want to extract from the BLAST output</a:t>
             </a:r>
             <a:endParaRPr lang="fr-FR" dirty="0"/>
           </a:p>
@@ -10632,7 +10141,7 @@
           <a:p>
             <a:fld id="{4A36708A-A74F-D144-99B7-9E7373111E3F}" type="datetime1">
               <a:rPr lang="fr-FR" smtClean="0"/>
-              <a:t>13/11/16</a:t>
+              <a:t>08/11/2018</a:t>
             </a:fld>
             <a:endParaRPr lang="fr-FR" dirty="0"/>
           </a:p>
@@ -10654,7 +10163,7 @@
           <a:lstStyle/>
           <a:p>
             <a:r>
-              <a:rPr lang="fr-FR" smtClean="0"/>
+              <a:rPr lang="fr-FR"/>
               <a:t>Python pour la biologie</a:t>
             </a:r>
             <a:endParaRPr lang="fr-FR" dirty="0"/>
@@ -10935,14 +10444,14 @@
               <a:t>alpha form mRNA, complete </a:t>
             </a:r>
             <a:r>
-              <a:rPr lang="en-US" sz="1200" dirty="0" err="1" smtClean="0">
+              <a:rPr lang="en-US" sz="1200" dirty="0" err="1">
                 <a:solidFill>
                   <a:srgbClr val="FF0000"/>
                 </a:solidFill>
               </a:rPr>
               <a:t>cds</a:t>
             </a:r>
-            <a:endParaRPr lang="en-US" sz="1200" dirty="0" smtClean="0">
+            <a:endParaRPr lang="en-US" sz="1200" dirty="0">
               <a:solidFill>
                 <a:srgbClr val="FF0000"/>
               </a:solidFill>
@@ -10990,7 +10499,7 @@
           </a:p>
           <a:p>
             <a:r>
-              <a:rPr lang="hr-HR" sz="1200" dirty="0" smtClean="0">
+              <a:rPr lang="hr-HR" sz="1200" dirty="0">
                 <a:solidFill>
                   <a:srgbClr val="FF0000"/>
                 </a:solidFill>
@@ -10998,7 +10507,7 @@
               <a:t>tacttgttggtgttggatcgaaccaattggaagacgaatatgctcacatcacttctcattccttacatcttcttc</a:t>
             </a:r>
             <a:r>
-              <a:rPr lang="mr-IN" sz="1200" dirty="0" smtClean="0">
+              <a:rPr lang="mr-IN" sz="1200" dirty="0">
                 <a:solidFill>
                   <a:srgbClr val="FF0000"/>
                 </a:solidFill>
@@ -11222,46 +10731,22 @@
           </a:lstStyle>
           <a:p>
             <a:r>
-              <a:rPr lang="en-US" dirty="0" smtClean="0"/>
-              <a:t>Parsers return Record</a:t>
-            </a:r>
-            <a:r>
               <a:rPr lang="en-US" dirty="0"/>
-              <a:t> </a:t>
-            </a:r>
-            <a:r>
-              <a:rPr lang="en-US" dirty="0" smtClean="0"/>
-              <a:t>objects</a:t>
+              <a:t>Parsers return Record objects</a:t>
             </a:r>
           </a:p>
           <a:p>
             <a:r>
               <a:rPr lang="en-US" dirty="0"/>
-              <a:t>These objects are </a:t>
-            </a:r>
-            <a:r>
-              <a:rPr lang="en-US" dirty="0" smtClean="0"/>
-              <a:t>defined in </a:t>
-            </a:r>
-            <a:r>
-              <a:rPr lang="en-US" dirty="0" err="1" smtClean="0"/>
+              <a:t>These objects are defined in </a:t>
+            </a:r>
+            <a:r>
+              <a:rPr lang="en-US" dirty="0" err="1"/>
               <a:t>Bio.Blast.Record</a:t>
             </a:r>
             <a:r>
               <a:rPr lang="en-US" dirty="0"/>
-              <a:t> </a:t>
-            </a:r>
-            <a:r>
-              <a:rPr lang="en-US" dirty="0" smtClean="0"/>
-              <a:t>and </a:t>
-            </a:r>
-            <a:r>
-              <a:rPr lang="en-US" dirty="0"/>
-              <a:t>are quite </a:t>
-            </a:r>
-            <a:r>
-              <a:rPr lang="en-US" dirty="0" smtClean="0"/>
-              <a:t>complete</a:t>
+              <a:t> and are quite complete</a:t>
             </a:r>
           </a:p>
           <a:p>
@@ -11277,7 +10762,6 @@
               <a:rPr lang="en-US" dirty="0"/>
               <a:t>/DIST/docs/tutorial/Tutorial.pdf#section.7.4</a:t>
             </a:r>
-            <a:endParaRPr lang="en-US" dirty="0"/>
           </a:p>
           <a:p>
             <a:endParaRPr lang="en-US" dirty="0"/>
@@ -11294,13 +10778,6 @@
   <p:clrMapOvr>
     <a:masterClrMapping/>
   </p:clrMapOvr>
-  <p:timing>
-    <p:tnLst>
-      <p:par>
-        <p:cTn xmlns:p14="http://schemas.microsoft.com/office/powerpoint/2010/main" id="1" dur="indefinite" restart="never" nodeType="tmRoot"/>
-      </p:par>
-    </p:tnLst>
-  </p:timing>
 </p:sld>
 </file>
 
@@ -11376,7 +10853,7 @@
           <a:p>
             <a:fld id="{751463B9-2A29-154C-A5AC-383AEA094CA9}" type="datetime1">
               <a:rPr lang="fr-FR" smtClean="0"/>
-              <a:t>13/11/16</a:t>
+              <a:t>08/11/2018</a:t>
             </a:fld>
             <a:endParaRPr lang="fr-FR" dirty="0"/>
           </a:p>
@@ -11398,7 +10875,7 @@
           <a:lstStyle/>
           <a:p>
             <a:r>
-              <a:rPr lang="fr-FR" smtClean="0"/>
+              <a:rPr lang="fr-FR"/>
               <a:t>Python pour la biologie</a:t>
             </a:r>
             <a:endParaRPr lang="fr-FR" dirty="0"/>
